--- a/scripts/Chapter3.pptx
+++ b/scripts/Chapter3.pptx
@@ -4,19 +4,25 @@
   <p:sldMasterIdLst>
     <p:sldMasterId id="2147483648" r:id="rId1"/>
   </p:sldMasterIdLst>
+  <p:notesMasterIdLst>
+    <p:notesMasterId r:id="rId17"/>
+  </p:notesMasterIdLst>
   <p:sldIdLst>
     <p:sldId id="256" r:id="rId2"/>
     <p:sldId id="260" r:id="rId3"/>
-    <p:sldId id="258" r:id="rId4"/>
-    <p:sldId id="263" r:id="rId5"/>
-    <p:sldId id="264" r:id="rId6"/>
-    <p:sldId id="265" r:id="rId7"/>
-    <p:sldId id="266" r:id="rId8"/>
-    <p:sldId id="267" r:id="rId9"/>
-    <p:sldId id="268" r:id="rId10"/>
-    <p:sldId id="259" r:id="rId11"/>
-    <p:sldId id="261" r:id="rId12"/>
-    <p:sldId id="262" r:id="rId13"/>
+    <p:sldId id="269" r:id="rId4"/>
+    <p:sldId id="270" r:id="rId5"/>
+    <p:sldId id="271" r:id="rId6"/>
+    <p:sldId id="258" r:id="rId7"/>
+    <p:sldId id="263" r:id="rId8"/>
+    <p:sldId id="264" r:id="rId9"/>
+    <p:sldId id="265" r:id="rId10"/>
+    <p:sldId id="266" r:id="rId11"/>
+    <p:sldId id="267" r:id="rId12"/>
+    <p:sldId id="268" r:id="rId13"/>
+    <p:sldId id="259" r:id="rId14"/>
+    <p:sldId id="261" r:id="rId15"/>
+    <p:sldId id="262" r:id="rId16"/>
   </p:sldIdLst>
   <p:sldSz cx="9144000" cy="6858000" type="screen4x3"/>
   <p:notesSz cx="6858000" cy="9144000"/>
@@ -118,6 +124,480 @@
 </p:presentation>
 </file>
 
+<file path=ppt/notesMasters/notesMaster1.xml><?xml version="1.0" encoding="utf-8"?>
+<p:notesMaster xmlns:a="http://schemas.openxmlformats.org/drawingml/2006/main" xmlns:r="http://schemas.openxmlformats.org/officeDocument/2006/relationships" xmlns:p="http://schemas.openxmlformats.org/presentationml/2006/main">
+  <p:cSld>
+    <p:bg>
+      <p:bgRef idx="1001">
+        <a:schemeClr val="bg1"/>
+      </p:bgRef>
+    </p:bg>
+    <p:spTree>
+      <p:nvGrpSpPr>
+        <p:cNvPr id="1" name=""/>
+        <p:cNvGrpSpPr/>
+        <p:nvPr/>
+      </p:nvGrpSpPr>
+      <p:grpSpPr>
+        <a:xfrm>
+          <a:off x="0" y="0"/>
+          <a:ext cx="0" cy="0"/>
+          <a:chOff x="0" y="0"/>
+          <a:chExt cx="0" cy="0"/>
+        </a:xfrm>
+      </p:grpSpPr>
+      <p:sp>
+        <p:nvSpPr>
+          <p:cNvPr id="2" name="Header Placeholder 1"/>
+          <p:cNvSpPr>
+            <a:spLocks noGrp="1"/>
+          </p:cNvSpPr>
+          <p:nvPr>
+            <p:ph type="hdr" sz="quarter"/>
+          </p:nvPr>
+        </p:nvSpPr>
+        <p:spPr>
+          <a:xfrm>
+            <a:off x="0" y="0"/>
+            <a:ext cx="2971800" cy="457200"/>
+          </a:xfrm>
+          <a:prstGeom prst="rect">
+            <a:avLst/>
+          </a:prstGeom>
+        </p:spPr>
+        <p:txBody>
+          <a:bodyPr vert="horz" lIns="91440" tIns="45720" rIns="91440" bIns="45720" rtlCol="0"/>
+          <a:lstStyle>
+            <a:lvl1pPr algn="l">
+              <a:defRPr sz="1200"/>
+            </a:lvl1pPr>
+          </a:lstStyle>
+          <a:p>
+            <a:endParaRPr lang="nl-BE"/>
+          </a:p>
+        </p:txBody>
+      </p:sp>
+      <p:sp>
+        <p:nvSpPr>
+          <p:cNvPr id="3" name="Date Placeholder 2"/>
+          <p:cNvSpPr>
+            <a:spLocks noGrp="1"/>
+          </p:cNvSpPr>
+          <p:nvPr>
+            <p:ph type="dt" idx="1"/>
+          </p:nvPr>
+        </p:nvSpPr>
+        <p:spPr>
+          <a:xfrm>
+            <a:off x="3884613" y="0"/>
+            <a:ext cx="2971800" cy="457200"/>
+          </a:xfrm>
+          <a:prstGeom prst="rect">
+            <a:avLst/>
+          </a:prstGeom>
+        </p:spPr>
+        <p:txBody>
+          <a:bodyPr vert="horz" lIns="91440" tIns="45720" rIns="91440" bIns="45720" rtlCol="0"/>
+          <a:lstStyle>
+            <a:lvl1pPr algn="r">
+              <a:defRPr sz="1200"/>
+            </a:lvl1pPr>
+          </a:lstStyle>
+          <a:p>
+            <a:fld id="{B726C69F-0E90-41FB-85CF-06FB888AAB57}" type="datetimeFigureOut">
+              <a:rPr lang="nl-BE" smtClean="0"/>
+              <a:t>25/05/2016</a:t>
+            </a:fld>
+            <a:endParaRPr lang="nl-BE"/>
+          </a:p>
+        </p:txBody>
+      </p:sp>
+      <p:sp>
+        <p:nvSpPr>
+          <p:cNvPr id="4" name="Slide Image Placeholder 3"/>
+          <p:cNvSpPr>
+            <a:spLocks noGrp="1" noRot="1" noChangeAspect="1"/>
+          </p:cNvSpPr>
+          <p:nvPr>
+            <p:ph type="sldImg" idx="2"/>
+          </p:nvPr>
+        </p:nvSpPr>
+        <p:spPr>
+          <a:xfrm>
+            <a:off x="1143000" y="685800"/>
+            <a:ext cx="4572000" cy="3429000"/>
+          </a:xfrm>
+          <a:prstGeom prst="rect">
+            <a:avLst/>
+          </a:prstGeom>
+          <a:noFill/>
+          <a:ln w="12700">
+            <a:solidFill>
+              <a:prstClr val="black"/>
+            </a:solidFill>
+          </a:ln>
+        </p:spPr>
+        <p:txBody>
+          <a:bodyPr vert="horz" lIns="91440" tIns="45720" rIns="91440" bIns="45720" rtlCol="0" anchor="ctr"/>
+          <a:lstStyle/>
+          <a:p>
+            <a:endParaRPr lang="nl-BE"/>
+          </a:p>
+        </p:txBody>
+      </p:sp>
+      <p:sp>
+        <p:nvSpPr>
+          <p:cNvPr id="5" name="Notes Placeholder 4"/>
+          <p:cNvSpPr>
+            <a:spLocks noGrp="1"/>
+          </p:cNvSpPr>
+          <p:nvPr>
+            <p:ph type="body" sz="quarter" idx="3"/>
+          </p:nvPr>
+        </p:nvSpPr>
+        <p:spPr>
+          <a:xfrm>
+            <a:off x="685800" y="4343400"/>
+            <a:ext cx="5486400" cy="4114800"/>
+          </a:xfrm>
+          <a:prstGeom prst="rect">
+            <a:avLst/>
+          </a:prstGeom>
+        </p:spPr>
+        <p:txBody>
+          <a:bodyPr vert="horz" lIns="91440" tIns="45720" rIns="91440" bIns="45720" rtlCol="0"/>
+          <a:lstStyle/>
+          <a:p>
+            <a:pPr lvl="0"/>
+            <a:r>
+              <a:rPr lang="en-US" smtClean="0"/>
+              <a:t>Click to edit Master text styles</a:t>
+            </a:r>
+          </a:p>
+          <a:p>
+            <a:pPr lvl="1"/>
+            <a:r>
+              <a:rPr lang="en-US" smtClean="0"/>
+              <a:t>Second level</a:t>
+            </a:r>
+          </a:p>
+          <a:p>
+            <a:pPr lvl="2"/>
+            <a:r>
+              <a:rPr lang="en-US" smtClean="0"/>
+              <a:t>Third level</a:t>
+            </a:r>
+          </a:p>
+          <a:p>
+            <a:pPr lvl="3"/>
+            <a:r>
+              <a:rPr lang="en-US" smtClean="0"/>
+              <a:t>Fourth level</a:t>
+            </a:r>
+          </a:p>
+          <a:p>
+            <a:pPr lvl="4"/>
+            <a:r>
+              <a:rPr lang="en-US" smtClean="0"/>
+              <a:t>Fifth level</a:t>
+            </a:r>
+            <a:endParaRPr lang="nl-BE"/>
+          </a:p>
+        </p:txBody>
+      </p:sp>
+      <p:sp>
+        <p:nvSpPr>
+          <p:cNvPr id="6" name="Footer Placeholder 5"/>
+          <p:cNvSpPr>
+            <a:spLocks noGrp="1"/>
+          </p:cNvSpPr>
+          <p:nvPr>
+            <p:ph type="ftr" sz="quarter" idx="4"/>
+          </p:nvPr>
+        </p:nvSpPr>
+        <p:spPr>
+          <a:xfrm>
+            <a:off x="0" y="8685213"/>
+            <a:ext cx="2971800" cy="457200"/>
+          </a:xfrm>
+          <a:prstGeom prst="rect">
+            <a:avLst/>
+          </a:prstGeom>
+        </p:spPr>
+        <p:txBody>
+          <a:bodyPr vert="horz" lIns="91440" tIns="45720" rIns="91440" bIns="45720" rtlCol="0" anchor="b"/>
+          <a:lstStyle>
+            <a:lvl1pPr algn="l">
+              <a:defRPr sz="1200"/>
+            </a:lvl1pPr>
+          </a:lstStyle>
+          <a:p>
+            <a:endParaRPr lang="nl-BE"/>
+          </a:p>
+        </p:txBody>
+      </p:sp>
+      <p:sp>
+        <p:nvSpPr>
+          <p:cNvPr id="7" name="Slide Number Placeholder 6"/>
+          <p:cNvSpPr>
+            <a:spLocks noGrp="1"/>
+          </p:cNvSpPr>
+          <p:nvPr>
+            <p:ph type="sldNum" sz="quarter" idx="5"/>
+          </p:nvPr>
+        </p:nvSpPr>
+        <p:spPr>
+          <a:xfrm>
+            <a:off x="3884613" y="8685213"/>
+            <a:ext cx="2971800" cy="457200"/>
+          </a:xfrm>
+          <a:prstGeom prst="rect">
+            <a:avLst/>
+          </a:prstGeom>
+        </p:spPr>
+        <p:txBody>
+          <a:bodyPr vert="horz" lIns="91440" tIns="45720" rIns="91440" bIns="45720" rtlCol="0" anchor="b"/>
+          <a:lstStyle>
+            <a:lvl1pPr algn="r">
+              <a:defRPr sz="1200"/>
+            </a:lvl1pPr>
+          </a:lstStyle>
+          <a:p>
+            <a:fld id="{7E5BD3C1-7D90-44E0-B5D3-05D591EC1AAD}" type="slidenum">
+              <a:rPr lang="nl-BE" smtClean="0"/>
+              <a:t>‹#›</a:t>
+            </a:fld>
+            <a:endParaRPr lang="nl-BE"/>
+          </a:p>
+        </p:txBody>
+      </p:sp>
+    </p:spTree>
+    <p:extLst>
+      <p:ext uri="{BB962C8B-B14F-4D97-AF65-F5344CB8AC3E}">
+        <p14:creationId xmlns:p14="http://schemas.microsoft.com/office/powerpoint/2010/main" val="3827617314"/>
+      </p:ext>
+    </p:extLst>
+  </p:cSld>
+  <p:clrMap bg1="lt1" tx1="dk1" bg2="lt2" tx2="dk2" accent1="accent1" accent2="accent2" accent3="accent3" accent4="accent4" accent5="accent5" accent6="accent6" hlink="hlink" folHlink="folHlink"/>
+  <p:notesStyle>
+    <a:lvl1pPr marL="0" algn="l" defTabSz="914400" rtl="0" eaLnBrk="1" latinLnBrk="0" hangingPunct="1">
+      <a:defRPr sz="1200" kern="1200">
+        <a:solidFill>
+          <a:schemeClr val="tx1"/>
+        </a:solidFill>
+        <a:latin typeface="+mn-lt"/>
+        <a:ea typeface="+mn-ea"/>
+        <a:cs typeface="+mn-cs"/>
+      </a:defRPr>
+    </a:lvl1pPr>
+    <a:lvl2pPr marL="457200" algn="l" defTabSz="914400" rtl="0" eaLnBrk="1" latinLnBrk="0" hangingPunct="1">
+      <a:defRPr sz="1200" kern="1200">
+        <a:solidFill>
+          <a:schemeClr val="tx1"/>
+        </a:solidFill>
+        <a:latin typeface="+mn-lt"/>
+        <a:ea typeface="+mn-ea"/>
+        <a:cs typeface="+mn-cs"/>
+      </a:defRPr>
+    </a:lvl2pPr>
+    <a:lvl3pPr marL="914400" algn="l" defTabSz="914400" rtl="0" eaLnBrk="1" latinLnBrk="0" hangingPunct="1">
+      <a:defRPr sz="1200" kern="1200">
+        <a:solidFill>
+          <a:schemeClr val="tx1"/>
+        </a:solidFill>
+        <a:latin typeface="+mn-lt"/>
+        <a:ea typeface="+mn-ea"/>
+        <a:cs typeface="+mn-cs"/>
+      </a:defRPr>
+    </a:lvl3pPr>
+    <a:lvl4pPr marL="1371600" algn="l" defTabSz="914400" rtl="0" eaLnBrk="1" latinLnBrk="0" hangingPunct="1">
+      <a:defRPr sz="1200" kern="1200">
+        <a:solidFill>
+          <a:schemeClr val="tx1"/>
+        </a:solidFill>
+        <a:latin typeface="+mn-lt"/>
+        <a:ea typeface="+mn-ea"/>
+        <a:cs typeface="+mn-cs"/>
+      </a:defRPr>
+    </a:lvl4pPr>
+    <a:lvl5pPr marL="1828800" algn="l" defTabSz="914400" rtl="0" eaLnBrk="1" latinLnBrk="0" hangingPunct="1">
+      <a:defRPr sz="1200" kern="1200">
+        <a:solidFill>
+          <a:schemeClr val="tx1"/>
+        </a:solidFill>
+        <a:latin typeface="+mn-lt"/>
+        <a:ea typeface="+mn-ea"/>
+        <a:cs typeface="+mn-cs"/>
+      </a:defRPr>
+    </a:lvl5pPr>
+    <a:lvl6pPr marL="2286000" algn="l" defTabSz="914400" rtl="0" eaLnBrk="1" latinLnBrk="0" hangingPunct="1">
+      <a:defRPr sz="1200" kern="1200">
+        <a:solidFill>
+          <a:schemeClr val="tx1"/>
+        </a:solidFill>
+        <a:latin typeface="+mn-lt"/>
+        <a:ea typeface="+mn-ea"/>
+        <a:cs typeface="+mn-cs"/>
+      </a:defRPr>
+    </a:lvl6pPr>
+    <a:lvl7pPr marL="2743200" algn="l" defTabSz="914400" rtl="0" eaLnBrk="1" latinLnBrk="0" hangingPunct="1">
+      <a:defRPr sz="1200" kern="1200">
+        <a:solidFill>
+          <a:schemeClr val="tx1"/>
+        </a:solidFill>
+        <a:latin typeface="+mn-lt"/>
+        <a:ea typeface="+mn-ea"/>
+        <a:cs typeface="+mn-cs"/>
+      </a:defRPr>
+    </a:lvl7pPr>
+    <a:lvl8pPr marL="3200400" algn="l" defTabSz="914400" rtl="0" eaLnBrk="1" latinLnBrk="0" hangingPunct="1">
+      <a:defRPr sz="1200" kern="1200">
+        <a:solidFill>
+          <a:schemeClr val="tx1"/>
+        </a:solidFill>
+        <a:latin typeface="+mn-lt"/>
+        <a:ea typeface="+mn-ea"/>
+        <a:cs typeface="+mn-cs"/>
+      </a:defRPr>
+    </a:lvl8pPr>
+    <a:lvl9pPr marL="3657600" algn="l" defTabSz="914400" rtl="0" eaLnBrk="1" latinLnBrk="0" hangingPunct="1">
+      <a:defRPr sz="1200" kern="1200">
+        <a:solidFill>
+          <a:schemeClr val="tx1"/>
+        </a:solidFill>
+        <a:latin typeface="+mn-lt"/>
+        <a:ea typeface="+mn-ea"/>
+        <a:cs typeface="+mn-cs"/>
+      </a:defRPr>
+    </a:lvl9pPr>
+  </p:notesStyle>
+</p:notesMaster>
+</file>
+
+<file path=ppt/notesSlides/notesSlide1.xml><?xml version="1.0" encoding="utf-8"?>
+<p:notes xmlns:a="http://schemas.openxmlformats.org/drawingml/2006/main" xmlns:r="http://schemas.openxmlformats.org/officeDocument/2006/relationships" xmlns:p="http://schemas.openxmlformats.org/presentationml/2006/main">
+  <p:cSld>
+    <p:spTree>
+      <p:nvGrpSpPr>
+        <p:cNvPr id="1" name=""/>
+        <p:cNvGrpSpPr/>
+        <p:nvPr/>
+      </p:nvGrpSpPr>
+      <p:grpSpPr>
+        <a:xfrm>
+          <a:off x="0" y="0"/>
+          <a:ext cx="0" cy="0"/>
+          <a:chOff x="0" y="0"/>
+          <a:chExt cx="0" cy="0"/>
+        </a:xfrm>
+      </p:grpSpPr>
+      <p:sp>
+        <p:nvSpPr>
+          <p:cNvPr id="2" name="Slide Image Placeholder 1"/>
+          <p:cNvSpPr>
+            <a:spLocks noGrp="1" noRot="1" noChangeAspect="1"/>
+          </p:cNvSpPr>
+          <p:nvPr>
+            <p:ph type="sldImg"/>
+          </p:nvPr>
+        </p:nvSpPr>
+        <p:spPr/>
+      </p:sp>
+      <p:sp>
+        <p:nvSpPr>
+          <p:cNvPr id="3" name="Notes Placeholder 2"/>
+          <p:cNvSpPr>
+            <a:spLocks noGrp="1"/>
+          </p:cNvSpPr>
+          <p:nvPr>
+            <p:ph type="body" idx="1"/>
+          </p:nvPr>
+        </p:nvSpPr>
+        <p:spPr/>
+        <p:txBody>
+          <a:bodyPr/>
+          <a:lstStyle/>
+          <a:p>
+            <a:r>
+              <a:rPr lang="en-US" dirty="0" smtClean="0"/>
+              <a:t>Analyzing portfolios in R goes beyond analyzing the portfolio returns. It is also about understanding how the portfolio can be optimized such that the future portfolio return has the desired properties in terms of mean and volatility.</a:t>
+            </a:r>
+          </a:p>
+          <a:p>
+            <a:endParaRPr lang="en-US" dirty="0" smtClean="0"/>
+          </a:p>
+          <a:p>
+            <a:r>
+              <a:rPr lang="en-US" dirty="0" smtClean="0"/>
+              <a:t>***</a:t>
+            </a:r>
+          </a:p>
+          <a:p>
+            <a:endParaRPr lang="en-US" dirty="0" smtClean="0"/>
+          </a:p>
+          <a:p>
+            <a:r>
+              <a:rPr lang="en-US" dirty="0" smtClean="0"/>
+              <a:t>Since we are talking about the future, I need to teach you first about the difference between computing averages on past returns and taking expectations of random variables. </a:t>
+            </a:r>
+          </a:p>
+          <a:p>
+            <a:endParaRPr lang="en-US" dirty="0" smtClean="0"/>
+          </a:p>
+          <a:p>
+            <a:r>
+              <a:rPr lang="en-US" dirty="0" smtClean="0"/>
+              <a:t>In chapter 2, we took the observed returns as a given and we thus used averages of the returns to describe the past performance. </a:t>
+            </a:r>
+          </a:p>
+          <a:p>
+            <a:endParaRPr lang="en-US" dirty="0" smtClean="0"/>
+          </a:p>
+          <a:p>
+            <a:r>
+              <a:rPr lang="en-US" dirty="0" smtClean="0"/>
+              <a:t>But, when optimizing a portfolio, we need to deal with the uncertainty of what the future return will be. Since its future value is a random outcome, the portfolio return is a random variable. </a:t>
+            </a:r>
+            <a:endParaRPr lang="nl-BE" dirty="0"/>
+          </a:p>
+        </p:txBody>
+      </p:sp>
+      <p:sp>
+        <p:nvSpPr>
+          <p:cNvPr id="4" name="Slide Number Placeholder 3"/>
+          <p:cNvSpPr>
+            <a:spLocks noGrp="1"/>
+          </p:cNvSpPr>
+          <p:nvPr>
+            <p:ph type="sldNum" sz="quarter" idx="10"/>
+          </p:nvPr>
+        </p:nvSpPr>
+        <p:spPr/>
+        <p:txBody>
+          <a:bodyPr/>
+          <a:lstStyle/>
+          <a:p>
+            <a:fld id="{7E5BD3C1-7D90-44E0-B5D3-05D591EC1AAD}" type="slidenum">
+              <a:rPr lang="nl-BE" smtClean="0"/>
+              <a:t>2</a:t>
+            </a:fld>
+            <a:endParaRPr lang="nl-BE"/>
+          </a:p>
+        </p:txBody>
+      </p:sp>
+    </p:spTree>
+    <p:extLst>
+      <p:ext uri="{BB962C8B-B14F-4D97-AF65-F5344CB8AC3E}">
+        <p14:creationId xmlns:p14="http://schemas.microsoft.com/office/powerpoint/2010/main" val="4201756673"/>
+      </p:ext>
+    </p:extLst>
+  </p:cSld>
+  <p:clrMapOvr>
+    <a:masterClrMapping/>
+  </p:clrMapOvr>
+</p:notes>
+</file>
+
 <file path=ppt/slideLayouts/slideLayout1.xml><?xml version="1.0" encoding="utf-8"?>
 <p:sldLayout xmlns:a="http://schemas.openxmlformats.org/drawingml/2006/main" xmlns:r="http://schemas.openxmlformats.org/officeDocument/2006/relationships" xmlns:p="http://schemas.openxmlformats.org/presentationml/2006/main" type="title" preserve="1">
   <p:cSld name="Title Slide">
@@ -299,7 +779,7 @@
           <a:p>
             <a:fld id="{F199DA73-FF55-4AFB-8A45-BCAA78D6E465}" type="datetimeFigureOut">
               <a:rPr lang="nl-BE" smtClean="0"/>
-              <a:t>5/05/2016</a:t>
+              <a:t>25/05/2016</a:t>
             </a:fld>
             <a:endParaRPr lang="nl-BE"/>
           </a:p>
@@ -469,7 +949,7 @@
           <a:p>
             <a:fld id="{F199DA73-FF55-4AFB-8A45-BCAA78D6E465}" type="datetimeFigureOut">
               <a:rPr lang="nl-BE" smtClean="0"/>
-              <a:t>5/05/2016</a:t>
+              <a:t>25/05/2016</a:t>
             </a:fld>
             <a:endParaRPr lang="nl-BE"/>
           </a:p>
@@ -649,7 +1129,7 @@
           <a:p>
             <a:fld id="{F199DA73-FF55-4AFB-8A45-BCAA78D6E465}" type="datetimeFigureOut">
               <a:rPr lang="nl-BE" smtClean="0"/>
-              <a:t>5/05/2016</a:t>
+              <a:t>25/05/2016</a:t>
             </a:fld>
             <a:endParaRPr lang="nl-BE"/>
           </a:p>
@@ -819,7 +1299,7 @@
           <a:p>
             <a:fld id="{F199DA73-FF55-4AFB-8A45-BCAA78D6E465}" type="datetimeFigureOut">
               <a:rPr lang="nl-BE" smtClean="0"/>
-              <a:t>5/05/2016</a:t>
+              <a:t>25/05/2016</a:t>
             </a:fld>
             <a:endParaRPr lang="nl-BE"/>
           </a:p>
@@ -1065,7 +1545,7 @@
           <a:p>
             <a:fld id="{F199DA73-FF55-4AFB-8A45-BCAA78D6E465}" type="datetimeFigureOut">
               <a:rPr lang="nl-BE" smtClean="0"/>
-              <a:t>5/05/2016</a:t>
+              <a:t>25/05/2016</a:t>
             </a:fld>
             <a:endParaRPr lang="nl-BE"/>
           </a:p>
@@ -1353,7 +1833,7 @@
           <a:p>
             <a:fld id="{F199DA73-FF55-4AFB-8A45-BCAA78D6E465}" type="datetimeFigureOut">
               <a:rPr lang="nl-BE" smtClean="0"/>
-              <a:t>5/05/2016</a:t>
+              <a:t>25/05/2016</a:t>
             </a:fld>
             <a:endParaRPr lang="nl-BE"/>
           </a:p>
@@ -1775,7 +2255,7 @@
           <a:p>
             <a:fld id="{F199DA73-FF55-4AFB-8A45-BCAA78D6E465}" type="datetimeFigureOut">
               <a:rPr lang="nl-BE" smtClean="0"/>
-              <a:t>5/05/2016</a:t>
+              <a:t>25/05/2016</a:t>
             </a:fld>
             <a:endParaRPr lang="nl-BE"/>
           </a:p>
@@ -1893,7 +2373,7 @@
           <a:p>
             <a:fld id="{F199DA73-FF55-4AFB-8A45-BCAA78D6E465}" type="datetimeFigureOut">
               <a:rPr lang="nl-BE" smtClean="0"/>
-              <a:t>5/05/2016</a:t>
+              <a:t>25/05/2016</a:t>
             </a:fld>
             <a:endParaRPr lang="nl-BE"/>
           </a:p>
@@ -1988,7 +2468,7 @@
           <a:p>
             <a:fld id="{F199DA73-FF55-4AFB-8A45-BCAA78D6E465}" type="datetimeFigureOut">
               <a:rPr lang="nl-BE" smtClean="0"/>
-              <a:t>5/05/2016</a:t>
+              <a:t>25/05/2016</a:t>
             </a:fld>
             <a:endParaRPr lang="nl-BE"/>
           </a:p>
@@ -2265,7 +2745,7 @@
           <a:p>
             <a:fld id="{F199DA73-FF55-4AFB-8A45-BCAA78D6E465}" type="datetimeFigureOut">
               <a:rPr lang="nl-BE" smtClean="0"/>
-              <a:t>5/05/2016</a:t>
+              <a:t>25/05/2016</a:t>
             </a:fld>
             <a:endParaRPr lang="nl-BE"/>
           </a:p>
@@ -2518,7 +2998,7 @@
           <a:p>
             <a:fld id="{F199DA73-FF55-4AFB-8A45-BCAA78D6E465}" type="datetimeFigureOut">
               <a:rPr lang="nl-BE" smtClean="0"/>
-              <a:t>5/05/2016</a:t>
+              <a:t>25/05/2016</a:t>
             </a:fld>
             <a:endParaRPr lang="nl-BE"/>
           </a:p>
@@ -2731,7 +3211,7 @@
           <a:p>
             <a:fld id="{F199DA73-FF55-4AFB-8A45-BCAA78D6E465}" type="datetimeFigureOut">
               <a:rPr lang="nl-BE" smtClean="0"/>
-              <a:t>5/05/2016</a:t>
+              <a:t>25/05/2016</a:t>
             </a:fld>
             <a:endParaRPr lang="nl-BE"/>
           </a:p>
@@ -3128,8 +3608,16 @@
               <a:t>Video 1: </a:t>
             </a:r>
             <a:r>
+              <a:rPr lang="en-US"/>
+              <a:t>The </a:t>
+            </a:r>
+            <a:r>
+              <a:rPr lang="en-US" smtClean="0"/>
+              <a:t>drivers </a:t>
+            </a:r>
+            <a:r>
               <a:rPr lang="en-US" dirty="0"/>
-              <a:t>The inputs in case of two assets</a:t>
+              <a:t>in case of two assets</a:t>
             </a:r>
             <a:endParaRPr lang="nl-BE" dirty="0"/>
           </a:p>
@@ -3218,1207 +3706,6 @@
           <a:bodyPr/>
           <a:lstStyle/>
           <a:p>
-            <a:endParaRPr lang="nl-BE"/>
-          </a:p>
-        </p:txBody>
-      </p:sp>
-    </p:spTree>
-    <p:extLst>
-      <p:ext uri="{BB962C8B-B14F-4D97-AF65-F5344CB8AC3E}">
-        <p14:creationId xmlns:p14="http://schemas.microsoft.com/office/powerpoint/2010/main" val="1931158852"/>
-      </p:ext>
-    </p:extLst>
-  </p:cSld>
-  <p:clrMapOvr>
-    <a:masterClrMapping/>
-  </p:clrMapOvr>
-</p:sld>
-</file>
-
-<file path=ppt/slides/slide11.xml><?xml version="1.0" encoding="utf-8"?>
-<p:sld xmlns:a="http://schemas.openxmlformats.org/drawingml/2006/main" xmlns:r="http://schemas.openxmlformats.org/officeDocument/2006/relationships" xmlns:p="http://schemas.openxmlformats.org/presentationml/2006/main">
-  <p:cSld>
-    <p:spTree>
-      <p:nvGrpSpPr>
-        <p:cNvPr id="1" name=""/>
-        <p:cNvGrpSpPr/>
-        <p:nvPr/>
-      </p:nvGrpSpPr>
-      <p:grpSpPr>
-        <a:xfrm>
-          <a:off x="0" y="0"/>
-          <a:ext cx="0" cy="0"/>
-          <a:chOff x="0" y="0"/>
-          <a:chExt cx="0" cy="0"/>
-        </a:xfrm>
-      </p:grpSpPr>
-      <p:sp>
-        <p:nvSpPr>
-          <p:cNvPr id="2" name="Title 1"/>
-          <p:cNvSpPr>
-            <a:spLocks noGrp="1"/>
-          </p:cNvSpPr>
-          <p:nvPr>
-            <p:ph type="ctrTitle"/>
-          </p:nvPr>
-        </p:nvSpPr>
-        <p:spPr/>
-        <p:txBody>
-          <a:bodyPr>
-            <a:normAutofit/>
-          </a:bodyPr>
-          <a:lstStyle/>
-          <a:p>
-            <a:r>
-              <a:rPr lang="en-US" dirty="0"/>
-              <a:t>Video </a:t>
-            </a:r>
-            <a:r>
-              <a:rPr lang="en-US" dirty="0" smtClean="0"/>
-              <a:t>3: </a:t>
-            </a:r>
-            <a:r>
-              <a:rPr lang="en-US" dirty="0"/>
-              <a:t> The non-normality of the return distribution </a:t>
-            </a:r>
-            <a:endParaRPr lang="nl-BE" dirty="0"/>
-          </a:p>
-        </p:txBody>
-      </p:sp>
-      <p:sp>
-        <p:nvSpPr>
-          <p:cNvPr id="3" name="Subtitle 2"/>
-          <p:cNvSpPr>
-            <a:spLocks noGrp="1"/>
-          </p:cNvSpPr>
-          <p:nvPr>
-            <p:ph type="subTitle" idx="1"/>
-          </p:nvPr>
-        </p:nvSpPr>
-        <p:spPr/>
-        <p:txBody>
-          <a:bodyPr/>
-          <a:lstStyle/>
-          <a:p>
-            <a:endParaRPr lang="nl-BE"/>
-          </a:p>
-        </p:txBody>
-      </p:sp>
-    </p:spTree>
-    <p:extLst>
-      <p:ext uri="{BB962C8B-B14F-4D97-AF65-F5344CB8AC3E}">
-        <p14:creationId xmlns:p14="http://schemas.microsoft.com/office/powerpoint/2010/main" val="3994857382"/>
-      </p:ext>
-    </p:extLst>
-  </p:cSld>
-  <p:clrMapOvr>
-    <a:masterClrMapping/>
-  </p:clrMapOvr>
-</p:sld>
-</file>
-
-<file path=ppt/slides/slide12.xml><?xml version="1.0" encoding="utf-8"?>
-<p:sld xmlns:a="http://schemas.openxmlformats.org/drawingml/2006/main" xmlns:r="http://schemas.openxmlformats.org/officeDocument/2006/relationships" xmlns:p="http://schemas.openxmlformats.org/presentationml/2006/main">
-  <p:cSld>
-    <p:spTree>
-      <p:nvGrpSpPr>
-        <p:cNvPr id="1" name=""/>
-        <p:cNvGrpSpPr/>
-        <p:nvPr/>
-      </p:nvGrpSpPr>
-      <p:grpSpPr>
-        <a:xfrm>
-          <a:off x="0" y="0"/>
-          <a:ext cx="0" cy="0"/>
-          <a:chOff x="0" y="0"/>
-          <a:chExt cx="0" cy="0"/>
-        </a:xfrm>
-      </p:grpSpPr>
-      <p:sp>
-        <p:nvSpPr>
-          <p:cNvPr id="2" name="Title 1"/>
-          <p:cNvSpPr>
-            <a:spLocks noGrp="1"/>
-          </p:cNvSpPr>
-          <p:nvPr>
-            <p:ph type="title"/>
-          </p:nvPr>
-        </p:nvSpPr>
-        <p:spPr/>
-        <p:txBody>
-          <a:bodyPr/>
-          <a:lstStyle/>
-          <a:p>
-            <a:endParaRPr lang="nl-BE"/>
-          </a:p>
-        </p:txBody>
-      </p:sp>
-      <p:sp>
-        <p:nvSpPr>
-          <p:cNvPr id="3" name="Content Placeholder 2"/>
-          <p:cNvSpPr>
-            <a:spLocks noGrp="1"/>
-          </p:cNvSpPr>
-          <p:nvPr>
-            <p:ph idx="1"/>
-          </p:nvPr>
-        </p:nvSpPr>
-        <p:spPr/>
-        <p:txBody>
-          <a:bodyPr/>
-          <a:lstStyle/>
-          <a:p>
-            <a:endParaRPr lang="nl-BE"/>
-          </a:p>
-        </p:txBody>
-      </p:sp>
-    </p:spTree>
-    <p:extLst>
-      <p:ext uri="{BB962C8B-B14F-4D97-AF65-F5344CB8AC3E}">
-        <p14:creationId xmlns:p14="http://schemas.microsoft.com/office/powerpoint/2010/main" val="3609064181"/>
-      </p:ext>
-    </p:extLst>
-  </p:cSld>
-  <p:clrMapOvr>
-    <a:masterClrMapping/>
-  </p:clrMapOvr>
-</p:sld>
-</file>
-
-<file path=ppt/slides/slide2.xml><?xml version="1.0" encoding="utf-8"?>
-<p:sld xmlns:a="http://schemas.openxmlformats.org/drawingml/2006/main" xmlns:r="http://schemas.openxmlformats.org/officeDocument/2006/relationships" xmlns:p="http://schemas.openxmlformats.org/presentationml/2006/main">
-  <p:cSld>
-    <p:spTree>
-      <p:nvGrpSpPr>
-        <p:cNvPr id="1" name=""/>
-        <p:cNvGrpSpPr/>
-        <p:nvPr/>
-      </p:nvGrpSpPr>
-      <p:grpSpPr>
-        <a:xfrm>
-          <a:off x="0" y="0"/>
-          <a:ext cx="0" cy="0"/>
-          <a:chOff x="0" y="0"/>
-          <a:chExt cx="0" cy="0"/>
-        </a:xfrm>
-      </p:grpSpPr>
-      <p:sp>
-        <p:nvSpPr>
-          <p:cNvPr id="2" name="Title 1"/>
-          <p:cNvSpPr>
-            <a:spLocks noGrp="1"/>
-          </p:cNvSpPr>
-          <p:nvPr>
-            <p:ph type="title"/>
-          </p:nvPr>
-        </p:nvSpPr>
-        <p:spPr/>
-        <p:txBody>
-          <a:bodyPr/>
-          <a:lstStyle/>
-          <a:p>
-            <a:endParaRPr lang="nl-BE"/>
-          </a:p>
-        </p:txBody>
-      </p:sp>
-      <p:sp>
-        <p:nvSpPr>
-          <p:cNvPr id="3" name="Content Placeholder 2"/>
-          <p:cNvSpPr>
-            <a:spLocks noGrp="1"/>
-          </p:cNvSpPr>
-          <p:nvPr>
-            <p:ph idx="1"/>
-          </p:nvPr>
-        </p:nvSpPr>
-        <p:spPr/>
-        <p:txBody>
-          <a:bodyPr/>
-          <a:lstStyle/>
-          <a:p>
-            <a:endParaRPr lang="nl-BE"/>
-          </a:p>
-        </p:txBody>
-      </p:sp>
-    </p:spTree>
-    <p:extLst>
-      <p:ext uri="{BB962C8B-B14F-4D97-AF65-F5344CB8AC3E}">
-        <p14:creationId xmlns:p14="http://schemas.microsoft.com/office/powerpoint/2010/main" val="1595956234"/>
-      </p:ext>
-    </p:extLst>
-  </p:cSld>
-  <p:clrMapOvr>
-    <a:masterClrMapping/>
-  </p:clrMapOvr>
-</p:sld>
-</file>
-
-<file path=ppt/slides/slide3.xml><?xml version="1.0" encoding="utf-8"?>
-<p:sld xmlns:a="http://schemas.openxmlformats.org/drawingml/2006/main" xmlns:r="http://schemas.openxmlformats.org/officeDocument/2006/relationships" xmlns:p="http://schemas.openxmlformats.org/presentationml/2006/main">
-  <p:cSld>
-    <p:spTree>
-      <p:nvGrpSpPr>
-        <p:cNvPr id="1" name=""/>
-        <p:cNvGrpSpPr/>
-        <p:nvPr/>
-      </p:nvGrpSpPr>
-      <p:grpSpPr>
-        <a:xfrm>
-          <a:off x="0" y="0"/>
-          <a:ext cx="0" cy="0"/>
-          <a:chOff x="0" y="0"/>
-          <a:chExt cx="0" cy="0"/>
-        </a:xfrm>
-      </p:grpSpPr>
-      <p:sp>
-        <p:nvSpPr>
-          <p:cNvPr id="2" name="Title 1"/>
-          <p:cNvSpPr>
-            <a:spLocks noGrp="1"/>
-          </p:cNvSpPr>
-          <p:nvPr>
-            <p:ph type="ctrTitle"/>
-          </p:nvPr>
-        </p:nvSpPr>
-        <p:spPr/>
-        <p:txBody>
-          <a:bodyPr>
-            <a:normAutofit/>
-          </a:bodyPr>
-          <a:lstStyle/>
-          <a:p>
-            <a:r>
-              <a:rPr lang="en-US" dirty="0"/>
-              <a:t>Video </a:t>
-            </a:r>
-            <a:r>
-              <a:rPr lang="en-US" dirty="0" smtClean="0"/>
-              <a:t>2</a:t>
-            </a:r>
-            <a:r>
-              <a:rPr lang="en-US" smtClean="0"/>
-              <a:t>: </a:t>
-            </a:r>
-            <a:r>
-              <a:rPr lang="en-US"/>
-              <a:t>The general case using matrix notation</a:t>
-            </a:r>
-            <a:endParaRPr lang="nl-BE" dirty="0"/>
-          </a:p>
-        </p:txBody>
-      </p:sp>
-      <p:sp>
-        <p:nvSpPr>
-          <p:cNvPr id="3" name="Subtitle 2"/>
-          <p:cNvSpPr>
-            <a:spLocks noGrp="1"/>
-          </p:cNvSpPr>
-          <p:nvPr>
-            <p:ph type="subTitle" idx="1"/>
-          </p:nvPr>
-        </p:nvSpPr>
-        <p:spPr/>
-        <p:txBody>
-          <a:bodyPr/>
-          <a:lstStyle/>
-          <a:p>
-            <a:endParaRPr lang="nl-BE"/>
-          </a:p>
-        </p:txBody>
-      </p:sp>
-    </p:spTree>
-    <p:extLst>
-      <p:ext uri="{BB962C8B-B14F-4D97-AF65-F5344CB8AC3E}">
-        <p14:creationId xmlns:p14="http://schemas.microsoft.com/office/powerpoint/2010/main" val="3341379040"/>
-      </p:ext>
-    </p:extLst>
-  </p:cSld>
-  <p:clrMapOvr>
-    <a:masterClrMapping/>
-  </p:clrMapOvr>
-</p:sld>
-</file>
-
-<file path=ppt/slides/slide4.xml><?xml version="1.0" encoding="utf-8"?>
-<p:sld xmlns:a="http://schemas.openxmlformats.org/drawingml/2006/main" xmlns:r="http://schemas.openxmlformats.org/officeDocument/2006/relationships" xmlns:p="http://schemas.openxmlformats.org/presentationml/2006/main">
-  <p:cSld>
-    <p:spTree>
-      <p:nvGrpSpPr>
-        <p:cNvPr id="1" name=""/>
-        <p:cNvGrpSpPr/>
-        <p:nvPr/>
-      </p:nvGrpSpPr>
-      <p:grpSpPr>
-        <a:xfrm>
-          <a:off x="0" y="0"/>
-          <a:ext cx="0" cy="0"/>
-          <a:chOff x="0" y="0"/>
-          <a:chExt cx="0" cy="0"/>
-        </a:xfrm>
-      </p:grpSpPr>
-      <p:sp>
-        <p:nvSpPr>
-          <p:cNvPr id="2" name="Title 1"/>
-          <p:cNvSpPr>
-            <a:spLocks noGrp="1"/>
-          </p:cNvSpPr>
-          <p:nvPr>
-            <p:ph type="title"/>
-          </p:nvPr>
-        </p:nvSpPr>
-        <p:spPr/>
-        <p:txBody>
-          <a:bodyPr/>
-          <a:lstStyle/>
-          <a:p>
-            <a:endParaRPr lang="nl-BE"/>
-          </a:p>
-        </p:txBody>
-      </p:sp>
-      <p:sp>
-        <p:nvSpPr>
-          <p:cNvPr id="3" name="Content Placeholder 2"/>
-          <p:cNvSpPr>
-            <a:spLocks noGrp="1"/>
-          </p:cNvSpPr>
-          <p:nvPr>
-            <p:ph idx="1"/>
-          </p:nvPr>
-        </p:nvSpPr>
-        <p:spPr/>
-        <p:txBody>
-          <a:bodyPr>
-            <a:normAutofit fontScale="85000" lnSpcReduction="10000"/>
-          </a:bodyPr>
-          <a:lstStyle/>
-          <a:p>
-            <a:r>
-              <a:rPr lang="nl-BE" dirty="0" smtClean="0"/>
-              <a:t>Suppose we have N risky assets, denoted by i=1,2,…,N</a:t>
-            </a:r>
-          </a:p>
-          <a:p>
-            <a:r>
-              <a:rPr lang="nl-BE" dirty="0" smtClean="0"/>
-              <a:t>Assume the investment period is t-1 till t.</a:t>
-            </a:r>
-          </a:p>
-          <a:p>
-            <a:r>
-              <a:rPr lang="nl-BE" dirty="0" smtClean="0"/>
-              <a:t>Assume the portfolio is fully invested and we use weights to express the percentage of the total value invested in each asset:</a:t>
-            </a:r>
-          </a:p>
-          <a:p>
-            <a:endParaRPr lang="nl-BE" dirty="0"/>
-          </a:p>
-          <a:p>
-            <a:endParaRPr lang="nl-BE" dirty="0" smtClean="0"/>
-          </a:p>
-          <a:p>
-            <a:endParaRPr lang="nl-BE" dirty="0"/>
-          </a:p>
-          <a:p>
-            <a:r>
-              <a:rPr lang="nl-BE" dirty="0" smtClean="0"/>
-              <a:t>For each asset, we have the simple return over the investment period t-1 till t:</a:t>
-            </a:r>
-            <a:endParaRPr lang="nl-BE" dirty="0"/>
-          </a:p>
-        </p:txBody>
-      </p:sp>
-      <p:sp>
-        <p:nvSpPr>
-          <p:cNvPr id="4" name="Slide Number Placeholder 3"/>
-          <p:cNvSpPr>
-            <a:spLocks noGrp="1"/>
-          </p:cNvSpPr>
-          <p:nvPr>
-            <p:ph type="sldNum" sz="quarter" idx="12"/>
-          </p:nvPr>
-        </p:nvSpPr>
-        <p:spPr/>
-        <p:txBody>
-          <a:bodyPr/>
-          <a:lstStyle/>
-          <a:p>
-            <a:fld id="{BE457F97-EB6F-4A30-B48F-636C956170D0}" type="slidenum">
-              <a:rPr lang="en-US" smtClean="0"/>
-              <a:pPr/>
-              <a:t>4</a:t>
-            </a:fld>
-            <a:endParaRPr lang="en-US"/>
-          </a:p>
-        </p:txBody>
-      </p:sp>
-      <p:graphicFrame>
-        <p:nvGraphicFramePr>
-          <p:cNvPr id="5" name="Object 4"/>
-          <p:cNvGraphicFramePr>
-            <a:graphicFrameLocks noChangeAspect="1"/>
-          </p:cNvGraphicFramePr>
-          <p:nvPr>
-            <p:extLst>
-              <p:ext uri="{D42A27DB-BD31-4B8C-83A1-F6EECF244321}">
-                <p14:modId xmlns:p14="http://schemas.microsoft.com/office/powerpoint/2010/main" val="2883729824"/>
-              </p:ext>
-            </p:extLst>
-          </p:nvPr>
-        </p:nvGraphicFramePr>
-        <p:xfrm>
-          <a:off x="762000" y="3886200"/>
-          <a:ext cx="7204075" cy="746125"/>
-        </p:xfrm>
-        <a:graphic>
-          <a:graphicData uri="http://schemas.openxmlformats.org/presentationml/2006/ole">
-            <mc:AlternateContent xmlns:mc="http://schemas.openxmlformats.org/markup-compatibility/2006">
-              <mc:Choice xmlns:v="urn:schemas-microsoft-com:vml" Requires="v">
-                <p:oleObj spid="_x0000_s1028" name="Equation" r:id="rId3" imgW="4546440" imgH="469800" progId="Equation.3">
-                  <p:embed/>
-                </p:oleObj>
-              </mc:Choice>
-              <mc:Fallback>
-                <p:oleObj name="Equation" r:id="rId3" imgW="4546440" imgH="469800" progId="Equation.3">
-                  <p:embed/>
-                  <p:pic>
-                    <p:nvPicPr>
-                      <p:cNvPr id="0" name=""/>
-                      <p:cNvPicPr/>
-                      <p:nvPr/>
-                    </p:nvPicPr>
-                    <p:blipFill>
-                      <a:blip r:embed="rId4"/>
-                      <a:stretch>
-                        <a:fillRect/>
-                      </a:stretch>
-                    </p:blipFill>
-                    <p:spPr>
-                      <a:xfrm>
-                        <a:off x="762000" y="3886200"/>
-                        <a:ext cx="7204075" cy="746125"/>
-                      </a:xfrm>
-                      <a:prstGeom prst="rect">
-                        <a:avLst/>
-                      </a:prstGeom>
-                    </p:spPr>
-                  </p:pic>
-                </p:oleObj>
-              </mc:Fallback>
-            </mc:AlternateContent>
-          </a:graphicData>
-        </a:graphic>
-      </p:graphicFrame>
-      <p:graphicFrame>
-        <p:nvGraphicFramePr>
-          <p:cNvPr id="6" name="Object 5"/>
-          <p:cNvGraphicFramePr>
-            <a:graphicFrameLocks noChangeAspect="1"/>
-          </p:cNvGraphicFramePr>
-          <p:nvPr>
-            <p:extLst>
-              <p:ext uri="{D42A27DB-BD31-4B8C-83A1-F6EECF244321}">
-                <p14:modId xmlns:p14="http://schemas.microsoft.com/office/powerpoint/2010/main" val="3005693782"/>
-              </p:ext>
-            </p:extLst>
-          </p:nvPr>
-        </p:nvGraphicFramePr>
-        <p:xfrm>
-          <a:off x="2590800" y="5867400"/>
-          <a:ext cx="2536825" cy="763587"/>
-        </p:xfrm>
-        <a:graphic>
-          <a:graphicData uri="http://schemas.openxmlformats.org/presentationml/2006/ole">
-            <mc:AlternateContent xmlns:mc="http://schemas.openxmlformats.org/markup-compatibility/2006">
-              <mc:Choice xmlns:v="urn:schemas-microsoft-com:vml" Requires="v">
-                <p:oleObj spid="_x0000_s1029" name="Equation" r:id="rId5" imgW="1600200" imgH="482400" progId="Equation.3">
-                  <p:embed/>
-                </p:oleObj>
-              </mc:Choice>
-              <mc:Fallback>
-                <p:oleObj name="Equation" r:id="rId5" imgW="1600200" imgH="482400" progId="Equation.3">
-                  <p:embed/>
-                  <p:pic>
-                    <p:nvPicPr>
-                      <p:cNvPr id="0" name=""/>
-                      <p:cNvPicPr>
-                        <a:picLocks noChangeAspect="1" noChangeArrowheads="1"/>
-                      </p:cNvPicPr>
-                      <p:nvPr/>
-                    </p:nvPicPr>
-                    <p:blipFill>
-                      <a:blip r:embed="rId6"/>
-                      <a:srcRect/>
-                      <a:stretch>
-                        <a:fillRect/>
-                      </a:stretch>
-                    </p:blipFill>
-                    <p:spPr bwMode="auto">
-                      <a:xfrm>
-                        <a:off x="2590800" y="5867400"/>
-                        <a:ext cx="2536825" cy="763587"/>
-                      </a:xfrm>
-                      <a:prstGeom prst="rect">
-                        <a:avLst/>
-                      </a:prstGeom>
-                      <a:noFill/>
-                      <a:ln>
-                        <a:noFill/>
-                      </a:ln>
-                      <a:extLst>
-                        <a:ext uri="{909E8E84-426E-40DD-AFC4-6F175D3DCCD1}">
-                          <a14:hiddenFill xmlns:a14="http://schemas.microsoft.com/office/drawing/2010/main">
-                            <a:solidFill>
-                              <a:srgbClr val="FFFFFF"/>
-                            </a:solidFill>
-                          </a14:hiddenFill>
-                        </a:ext>
-                        <a:ext uri="{91240B29-F687-4F45-9708-019B960494DF}">
-                          <a14:hiddenLine xmlns:a14="http://schemas.microsoft.com/office/drawing/2010/main" w="9525">
-                            <a:solidFill>
-                              <a:srgbClr val="000000"/>
-                            </a:solidFill>
-                            <a:miter lim="800000"/>
-                            <a:headEnd/>
-                            <a:tailEnd/>
-                          </a14:hiddenLine>
-                        </a:ext>
-                      </a:extLst>
-                    </p:spPr>
-                  </p:pic>
-                </p:oleObj>
-              </mc:Fallback>
-            </mc:AlternateContent>
-          </a:graphicData>
-        </a:graphic>
-      </p:graphicFrame>
-    </p:spTree>
-    <p:extLst>
-      <p:ext uri="{BB962C8B-B14F-4D97-AF65-F5344CB8AC3E}">
-        <p14:creationId xmlns:p14="http://schemas.microsoft.com/office/powerpoint/2010/main" val="994794699"/>
-      </p:ext>
-    </p:extLst>
-  </p:cSld>
-  <p:clrMapOvr>
-    <a:masterClrMapping/>
-  </p:clrMapOvr>
-</p:sld>
-</file>
-
-<file path=ppt/slides/slide5.xml><?xml version="1.0" encoding="utf-8"?>
-<p:sld xmlns:a="http://schemas.openxmlformats.org/drawingml/2006/main" xmlns:r="http://schemas.openxmlformats.org/officeDocument/2006/relationships" xmlns:p="http://schemas.openxmlformats.org/presentationml/2006/main">
-  <p:cSld>
-    <p:spTree>
-      <p:nvGrpSpPr>
-        <p:cNvPr id="1" name=""/>
-        <p:cNvGrpSpPr/>
-        <p:nvPr/>
-      </p:nvGrpSpPr>
-      <p:grpSpPr>
-        <a:xfrm>
-          <a:off x="0" y="0"/>
-          <a:ext cx="0" cy="0"/>
-          <a:chOff x="0" y="0"/>
-          <a:chExt cx="0" cy="0"/>
-        </a:xfrm>
-      </p:grpSpPr>
-      <p:sp>
-        <p:nvSpPr>
-          <p:cNvPr id="2" name="Title 1"/>
-          <p:cNvSpPr>
-            <a:spLocks noGrp="1"/>
-          </p:cNvSpPr>
-          <p:nvPr>
-            <p:ph type="title"/>
-          </p:nvPr>
-        </p:nvSpPr>
-        <p:spPr/>
-        <p:txBody>
-          <a:bodyPr>
-            <a:normAutofit fontScale="90000"/>
-          </a:bodyPr>
-          <a:lstStyle/>
-          <a:p>
-            <a:r>
-              <a:rPr lang="nl-BE" dirty="0" smtClean="0"/>
-              <a:t>The portfolio return = weighted average of the component returns</a:t>
-            </a:r>
-            <a:endParaRPr lang="nl-BE" dirty="0"/>
-          </a:p>
-        </p:txBody>
-      </p:sp>
-      <p:sp>
-        <p:nvSpPr>
-          <p:cNvPr id="3" name="Content Placeholder 2"/>
-          <p:cNvSpPr>
-            <a:spLocks noGrp="1"/>
-          </p:cNvSpPr>
-          <p:nvPr>
-            <p:ph idx="1"/>
-          </p:nvPr>
-        </p:nvSpPr>
-        <p:spPr/>
-        <p:txBody>
-          <a:bodyPr>
-            <a:normAutofit/>
-          </a:bodyPr>
-          <a:lstStyle/>
-          <a:p>
-            <a:r>
-              <a:rPr lang="nl-BE" dirty="0" smtClean="0"/>
-              <a:t>The return of a portfolio between time t-1 and time t that places at time t-1 weight w</a:t>
-            </a:r>
-            <a:r>
-              <a:rPr lang="nl-BE" baseline="-25000" dirty="0" smtClean="0"/>
-              <a:t>i</a:t>
-            </a:r>
-            <a:r>
-              <a:rPr lang="nl-BE" dirty="0" smtClean="0"/>
-              <a:t> on asset i is:</a:t>
-            </a:r>
-          </a:p>
-          <a:p>
-            <a:endParaRPr lang="nl-BE" dirty="0"/>
-          </a:p>
-          <a:p>
-            <a:endParaRPr lang="nl-BE" dirty="0" smtClean="0"/>
-          </a:p>
-          <a:p>
-            <a:pPr marL="0" indent="0">
-              <a:buNone/>
-            </a:pPr>
-            <a:r>
-              <a:rPr lang="nl-BE" dirty="0"/>
-              <a:t>w</a:t>
-            </a:r>
-            <a:r>
-              <a:rPr lang="nl-BE" dirty="0" smtClean="0"/>
-              <a:t>here R</a:t>
-            </a:r>
-            <a:r>
-              <a:rPr lang="nl-BE" baseline="-25000" dirty="0" smtClean="0"/>
-              <a:t>it</a:t>
-            </a:r>
-            <a:r>
-              <a:rPr lang="nl-BE" dirty="0" smtClean="0"/>
-              <a:t> is the simple return of asset i.</a:t>
-            </a:r>
-            <a:endParaRPr lang="nl-BE" dirty="0"/>
-          </a:p>
-        </p:txBody>
-      </p:sp>
-      <p:graphicFrame>
-        <p:nvGraphicFramePr>
-          <p:cNvPr id="4" name="Object 3"/>
-          <p:cNvGraphicFramePr>
-            <a:graphicFrameLocks noChangeAspect="1"/>
-          </p:cNvGraphicFramePr>
-          <p:nvPr>
-            <p:extLst>
-              <p:ext uri="{D42A27DB-BD31-4B8C-83A1-F6EECF244321}">
-                <p14:modId xmlns:p14="http://schemas.microsoft.com/office/powerpoint/2010/main" val="2782019192"/>
-              </p:ext>
-            </p:extLst>
-          </p:nvPr>
-        </p:nvGraphicFramePr>
-        <p:xfrm>
-          <a:off x="3200400" y="3352800"/>
-          <a:ext cx="1559859" cy="736600"/>
-        </p:xfrm>
-        <a:graphic>
-          <a:graphicData uri="http://schemas.openxmlformats.org/presentationml/2006/ole">
-            <mc:AlternateContent xmlns:mc="http://schemas.openxmlformats.org/markup-compatibility/2006">
-              <mc:Choice xmlns:v="urn:schemas-microsoft-com:vml" Requires="v">
-                <p:oleObj spid="_x0000_s2051" name="Equation" r:id="rId3" imgW="914400" imgH="431640" progId="Equation.3">
-                  <p:embed/>
-                </p:oleObj>
-              </mc:Choice>
-              <mc:Fallback>
-                <p:oleObj name="Equation" r:id="rId3" imgW="914400" imgH="431640" progId="Equation.3">
-                  <p:embed/>
-                  <p:pic>
-                    <p:nvPicPr>
-                      <p:cNvPr id="0" name=""/>
-                      <p:cNvPicPr/>
-                      <p:nvPr/>
-                    </p:nvPicPr>
-                    <p:blipFill>
-                      <a:blip r:embed="rId4"/>
-                      <a:stretch>
-                        <a:fillRect/>
-                      </a:stretch>
-                    </p:blipFill>
-                    <p:spPr>
-                      <a:xfrm>
-                        <a:off x="3200400" y="3352800"/>
-                        <a:ext cx="1559859" cy="736600"/>
-                      </a:xfrm>
-                      <a:prstGeom prst="rect">
-                        <a:avLst/>
-                      </a:prstGeom>
-                    </p:spPr>
-                  </p:pic>
-                </p:oleObj>
-              </mc:Fallback>
-            </mc:AlternateContent>
-          </a:graphicData>
-        </a:graphic>
-      </p:graphicFrame>
-    </p:spTree>
-    <p:extLst>
-      <p:ext uri="{BB962C8B-B14F-4D97-AF65-F5344CB8AC3E}">
-        <p14:creationId xmlns:p14="http://schemas.microsoft.com/office/powerpoint/2010/main" val="1067647129"/>
-      </p:ext>
-    </p:extLst>
-  </p:cSld>
-  <p:clrMapOvr>
-    <a:masterClrMapping/>
-  </p:clrMapOvr>
-</p:sld>
-</file>
-
-<file path=ppt/slides/slide6.xml><?xml version="1.0" encoding="utf-8"?>
-<p:sld xmlns:a="http://schemas.openxmlformats.org/drawingml/2006/main" xmlns:r="http://schemas.openxmlformats.org/officeDocument/2006/relationships" xmlns:p="http://schemas.openxmlformats.org/presentationml/2006/main">
-  <p:cSld>
-    <p:spTree>
-      <p:nvGrpSpPr>
-        <p:cNvPr id="1" name=""/>
-        <p:cNvGrpSpPr/>
-        <p:nvPr/>
-      </p:nvGrpSpPr>
-      <p:grpSpPr>
-        <a:xfrm>
-          <a:off x="0" y="0"/>
-          <a:ext cx="0" cy="0"/>
-          <a:chOff x="0" y="0"/>
-          <a:chExt cx="0" cy="0"/>
-        </a:xfrm>
-      </p:grpSpPr>
-      <p:sp>
-        <p:nvSpPr>
-          <p:cNvPr id="2" name="Title 1"/>
-          <p:cNvSpPr>
-            <a:spLocks noGrp="1"/>
-          </p:cNvSpPr>
-          <p:nvPr>
-            <p:ph type="title"/>
-          </p:nvPr>
-        </p:nvSpPr>
-        <p:spPr/>
-        <p:txBody>
-          <a:bodyPr/>
-          <a:lstStyle/>
-          <a:p>
-            <a:endParaRPr lang="nl-BE"/>
-          </a:p>
-        </p:txBody>
-      </p:sp>
-      <p:sp>
-        <p:nvSpPr>
-          <p:cNvPr id="3" name="Content Placeholder 2"/>
-          <p:cNvSpPr>
-            <a:spLocks noGrp="1"/>
-          </p:cNvSpPr>
-          <p:nvPr>
-            <p:ph idx="1"/>
-          </p:nvPr>
-        </p:nvSpPr>
-        <p:spPr/>
-        <p:txBody>
-          <a:bodyPr/>
-          <a:lstStyle/>
-          <a:p>
-            <a:r>
-              <a:rPr lang="nl-BE" dirty="0" smtClean="0"/>
-              <a:t>Matrix notation: portfolio return is the inner product of the weights (column-)vector and the return (column-)vector:</a:t>
-            </a:r>
-            <a:endParaRPr lang="nl-BE" dirty="0"/>
-          </a:p>
-        </p:txBody>
-      </p:sp>
-      <p:sp>
-        <p:nvSpPr>
-          <p:cNvPr id="4" name="Slide Number Placeholder 3"/>
-          <p:cNvSpPr>
-            <a:spLocks noGrp="1"/>
-          </p:cNvSpPr>
-          <p:nvPr>
-            <p:ph type="sldNum" sz="quarter" idx="12"/>
-          </p:nvPr>
-        </p:nvSpPr>
-        <p:spPr/>
-        <p:txBody>
-          <a:bodyPr/>
-          <a:lstStyle/>
-          <a:p>
-            <a:fld id="{BE457F97-EB6F-4A30-B48F-636C956170D0}" type="slidenum">
-              <a:rPr lang="en-US" smtClean="0"/>
-              <a:pPr/>
-              <a:t>6</a:t>
-            </a:fld>
-            <a:endParaRPr lang="en-US"/>
-          </a:p>
-        </p:txBody>
-      </p:sp>
-      <p:graphicFrame>
-        <p:nvGraphicFramePr>
-          <p:cNvPr id="5" name="Object 4"/>
-          <p:cNvGraphicFramePr>
-            <a:graphicFrameLocks noChangeAspect="1"/>
-          </p:cNvGraphicFramePr>
-          <p:nvPr>
-            <p:extLst>
-              <p:ext uri="{D42A27DB-BD31-4B8C-83A1-F6EECF244321}">
-                <p14:modId xmlns:p14="http://schemas.microsoft.com/office/powerpoint/2010/main" val="3601761460"/>
-              </p:ext>
-            </p:extLst>
-          </p:nvPr>
-        </p:nvGraphicFramePr>
-        <p:xfrm>
-          <a:off x="1905000" y="4572000"/>
-          <a:ext cx="1066800" cy="1611313"/>
-        </p:xfrm>
-        <a:graphic>
-          <a:graphicData uri="http://schemas.openxmlformats.org/presentationml/2006/ole">
-            <mc:AlternateContent xmlns:mc="http://schemas.openxmlformats.org/markup-compatibility/2006">
-              <mc:Choice xmlns:v="urn:schemas-microsoft-com:vml" Requires="v">
-                <p:oleObj spid="_x0000_s3077" name="Equation" r:id="rId3" imgW="622030" imgH="939392" progId="Equation.3">
-                  <p:embed/>
-                </p:oleObj>
-              </mc:Choice>
-              <mc:Fallback>
-                <p:oleObj name="Equation" r:id="rId3" imgW="622030" imgH="939392" progId="Equation.3">
-                  <p:embed/>
-                  <p:pic>
-                    <p:nvPicPr>
-                      <p:cNvPr id="0" name=""/>
-                      <p:cNvPicPr>
-                        <a:picLocks noChangeAspect="1" noChangeArrowheads="1"/>
-                      </p:cNvPicPr>
-                      <p:nvPr/>
-                    </p:nvPicPr>
-                    <p:blipFill>
-                      <a:blip r:embed="rId4">
-                        <a:extLst>
-                          <a:ext uri="{28A0092B-C50C-407E-A947-70E740481C1C}">
-                            <a14:useLocalDpi xmlns:a14="http://schemas.microsoft.com/office/drawing/2010/main" val="0"/>
-                          </a:ext>
-                        </a:extLst>
-                      </a:blip>
-                      <a:srcRect/>
-                      <a:stretch>
-                        <a:fillRect/>
-                      </a:stretch>
-                    </p:blipFill>
-                    <p:spPr bwMode="auto">
-                      <a:xfrm>
-                        <a:off x="1905000" y="4572000"/>
-                        <a:ext cx="1066800" cy="1611313"/>
-                      </a:xfrm>
-                      <a:prstGeom prst="rect">
-                        <a:avLst/>
-                      </a:prstGeom>
-                      <a:noFill/>
-                      <a:ln>
-                        <a:noFill/>
-                      </a:ln>
-                      <a:extLst>
-                        <a:ext uri="{909E8E84-426E-40DD-AFC4-6F175D3DCCD1}">
-                          <a14:hiddenFill xmlns:a14="http://schemas.microsoft.com/office/drawing/2010/main">
-                            <a:solidFill>
-                              <a:srgbClr val="FFFFFF"/>
-                            </a:solidFill>
-                          </a14:hiddenFill>
-                        </a:ext>
-                        <a:ext uri="{91240B29-F687-4F45-9708-019B960494DF}">
-                          <a14:hiddenLine xmlns:a14="http://schemas.microsoft.com/office/drawing/2010/main" w="9525">
-                            <a:solidFill>
-                              <a:srgbClr val="000000"/>
-                            </a:solidFill>
-                            <a:miter lim="800000"/>
-                            <a:headEnd/>
-                            <a:tailEnd/>
-                          </a14:hiddenLine>
-                        </a:ext>
-                      </a:extLst>
-                    </p:spPr>
-                  </p:pic>
-                </p:oleObj>
-              </mc:Fallback>
-            </mc:AlternateContent>
-          </a:graphicData>
-        </a:graphic>
-      </p:graphicFrame>
-      <p:graphicFrame>
-        <p:nvGraphicFramePr>
-          <p:cNvPr id="6" name="Object 5"/>
-          <p:cNvGraphicFramePr>
-            <a:graphicFrameLocks noChangeAspect="1"/>
-          </p:cNvGraphicFramePr>
-          <p:nvPr>
-            <p:extLst>
-              <p:ext uri="{D42A27DB-BD31-4B8C-83A1-F6EECF244321}">
-                <p14:modId xmlns:p14="http://schemas.microsoft.com/office/powerpoint/2010/main" val="2196021436"/>
-              </p:ext>
-            </p:extLst>
-          </p:nvPr>
-        </p:nvGraphicFramePr>
-        <p:xfrm>
-          <a:off x="5357813" y="4475163"/>
-          <a:ext cx="1327150" cy="1654175"/>
-        </p:xfrm>
-        <a:graphic>
-          <a:graphicData uri="http://schemas.openxmlformats.org/presentationml/2006/ole">
-            <mc:AlternateContent xmlns:mc="http://schemas.openxmlformats.org/markup-compatibility/2006">
-              <mc:Choice xmlns:v="urn:schemas-microsoft-com:vml" Requires="v">
-                <p:oleObj spid="_x0000_s3078" name="Equation" r:id="rId5" imgW="774360" imgH="965160" progId="Equation.3">
-                  <p:embed/>
-                </p:oleObj>
-              </mc:Choice>
-              <mc:Fallback>
-                <p:oleObj name="Equation" r:id="rId5" imgW="774360" imgH="965160" progId="Equation.3">
-                  <p:embed/>
-                  <p:pic>
-                    <p:nvPicPr>
-                      <p:cNvPr id="0" name=""/>
-                      <p:cNvPicPr>
-                        <a:picLocks noChangeAspect="1" noChangeArrowheads="1"/>
-                      </p:cNvPicPr>
-                      <p:nvPr/>
-                    </p:nvPicPr>
-                    <p:blipFill>
-                      <a:blip r:embed="rId6"/>
-                      <a:srcRect/>
-                      <a:stretch>
-                        <a:fillRect/>
-                      </a:stretch>
-                    </p:blipFill>
-                    <p:spPr bwMode="auto">
-                      <a:xfrm>
-                        <a:off x="5357813" y="4475163"/>
-                        <a:ext cx="1327150" cy="1654175"/>
-                      </a:xfrm>
-                      <a:prstGeom prst="rect">
-                        <a:avLst/>
-                      </a:prstGeom>
-                      <a:noFill/>
-                      <a:ln>
-                        <a:noFill/>
-                      </a:ln>
-                      <a:extLst>
-                        <a:ext uri="{909E8E84-426E-40DD-AFC4-6F175D3DCCD1}">
-                          <a14:hiddenFill xmlns:a14="http://schemas.microsoft.com/office/drawing/2010/main">
-                            <a:solidFill>
-                              <a:srgbClr val="FFFFFF"/>
-                            </a:solidFill>
-                          </a14:hiddenFill>
-                        </a:ext>
-                        <a:ext uri="{91240B29-F687-4F45-9708-019B960494DF}">
-                          <a14:hiddenLine xmlns:a14="http://schemas.microsoft.com/office/drawing/2010/main" w="9525">
-                            <a:solidFill>
-                              <a:srgbClr val="000000"/>
-                            </a:solidFill>
-                            <a:miter lim="800000"/>
-                            <a:headEnd/>
-                            <a:tailEnd/>
-                          </a14:hiddenLine>
-                        </a:ext>
-                      </a:extLst>
-                    </p:spPr>
-                  </p:pic>
-                </p:oleObj>
-              </mc:Fallback>
-            </mc:AlternateContent>
-          </a:graphicData>
-        </a:graphic>
-      </p:graphicFrame>
-      <p:graphicFrame>
-        <p:nvGraphicFramePr>
-          <p:cNvPr id="7" name="Object 6"/>
-          <p:cNvGraphicFramePr>
-            <a:graphicFrameLocks noChangeAspect="1"/>
-          </p:cNvGraphicFramePr>
-          <p:nvPr>
-            <p:extLst>
-              <p:ext uri="{D42A27DB-BD31-4B8C-83A1-F6EECF244321}">
-                <p14:modId xmlns:p14="http://schemas.microsoft.com/office/powerpoint/2010/main" val="2453869091"/>
-              </p:ext>
-            </p:extLst>
-          </p:nvPr>
-        </p:nvGraphicFramePr>
-        <p:xfrm>
-          <a:off x="2971800" y="3429000"/>
-          <a:ext cx="2492375" cy="736600"/>
-        </p:xfrm>
-        <a:graphic>
-          <a:graphicData uri="http://schemas.openxmlformats.org/presentationml/2006/ole">
-            <mc:AlternateContent xmlns:mc="http://schemas.openxmlformats.org/markup-compatibility/2006">
-              <mc:Choice xmlns:v="urn:schemas-microsoft-com:vml" Requires="v">
-                <p:oleObj spid="_x0000_s3079" name="Equation" r:id="rId7" imgW="1460160" imgH="431640" progId="Equation.3">
-                  <p:embed/>
-                </p:oleObj>
-              </mc:Choice>
-              <mc:Fallback>
-                <p:oleObj name="Equation" r:id="rId7" imgW="1460160" imgH="431640" progId="Equation.3">
-                  <p:embed/>
-                  <p:pic>
-                    <p:nvPicPr>
-                      <p:cNvPr id="0" name=""/>
-                      <p:cNvPicPr>
-                        <a:picLocks noChangeAspect="1" noChangeArrowheads="1"/>
-                      </p:cNvPicPr>
-                      <p:nvPr/>
-                    </p:nvPicPr>
-                    <p:blipFill>
-                      <a:blip r:embed="rId8"/>
-                      <a:srcRect/>
-                      <a:stretch>
-                        <a:fillRect/>
-                      </a:stretch>
-                    </p:blipFill>
-                    <p:spPr bwMode="auto">
-                      <a:xfrm>
-                        <a:off x="2971800" y="3429000"/>
-                        <a:ext cx="2492375" cy="736600"/>
-                      </a:xfrm>
-                      <a:prstGeom prst="rect">
-                        <a:avLst/>
-                      </a:prstGeom>
-                      <a:noFill/>
-                      <a:ln>
-                        <a:noFill/>
-                      </a:ln>
-                      <a:extLst>
-                        <a:ext uri="{909E8E84-426E-40DD-AFC4-6F175D3DCCD1}">
-                          <a14:hiddenFill xmlns:a14="http://schemas.microsoft.com/office/drawing/2010/main">
-                            <a:solidFill>
-                              <a:srgbClr val="FFFFFF"/>
-                            </a:solidFill>
-                          </a14:hiddenFill>
-                        </a:ext>
-                        <a:ext uri="{91240B29-F687-4F45-9708-019B960494DF}">
-                          <a14:hiddenLine xmlns:a14="http://schemas.microsoft.com/office/drawing/2010/main" w="9525">
-                            <a:solidFill>
-                              <a:srgbClr val="000000"/>
-                            </a:solidFill>
-                            <a:miter lim="800000"/>
-                            <a:headEnd/>
-                            <a:tailEnd/>
-                          </a14:hiddenLine>
-                        </a:ext>
-                      </a:extLst>
-                    </p:spPr>
-                  </p:pic>
-                </p:oleObj>
-              </mc:Fallback>
-            </mc:AlternateContent>
-          </a:graphicData>
-        </a:graphic>
-      </p:graphicFrame>
-      <p:sp>
-        <p:nvSpPr>
-          <p:cNvPr id="8" name="Rounded Rectangle 7"/>
-          <p:cNvSpPr/>
-          <p:nvPr/>
-        </p:nvSpPr>
-        <p:spPr>
-          <a:xfrm>
-            <a:off x="2362200" y="3200400"/>
-            <a:ext cx="3657600" cy="1143000"/>
-          </a:xfrm>
-          <a:prstGeom prst="roundRect">
-            <a:avLst/>
-          </a:prstGeom>
-          <a:noFill/>
-        </p:spPr>
-        <p:style>
-          <a:lnRef idx="2">
-            <a:schemeClr val="accent1">
-              <a:shade val="50000"/>
-            </a:schemeClr>
-          </a:lnRef>
-          <a:fillRef idx="1">
-            <a:schemeClr val="accent1"/>
-          </a:fillRef>
-          <a:effectRef idx="0">
-            <a:schemeClr val="accent1"/>
-          </a:effectRef>
-          <a:fontRef idx="minor">
-            <a:schemeClr val="lt1"/>
-          </a:fontRef>
-        </p:style>
-        <p:txBody>
-          <a:bodyPr rtlCol="0" anchor="ctr"/>
-          <a:lstStyle/>
-          <a:p>
-            <a:pPr algn="ctr"/>
-            <a:endParaRPr lang="nl-BE"/>
-          </a:p>
-        </p:txBody>
-      </p:sp>
-    </p:spTree>
-    <p:extLst>
-      <p:ext uri="{BB962C8B-B14F-4D97-AF65-F5344CB8AC3E}">
-        <p14:creationId xmlns:p14="http://schemas.microsoft.com/office/powerpoint/2010/main" val="1904204396"/>
-      </p:ext>
-    </p:extLst>
-  </p:cSld>
-  <p:clrMapOvr>
-    <a:masterClrMapping/>
-  </p:clrMapOvr>
-</p:sld>
-</file>
-
-<file path=ppt/slides/slide7.xml><?xml version="1.0" encoding="utf-8"?>
-<p:sld xmlns:a="http://schemas.openxmlformats.org/drawingml/2006/main" xmlns:r="http://schemas.openxmlformats.org/officeDocument/2006/relationships" xmlns:p="http://schemas.openxmlformats.org/presentationml/2006/main">
-  <p:cSld>
-    <p:spTree>
-      <p:nvGrpSpPr>
-        <p:cNvPr id="1" name=""/>
-        <p:cNvGrpSpPr/>
-        <p:nvPr/>
-      </p:nvGrpSpPr>
-      <p:grpSpPr>
-        <a:xfrm>
-          <a:off x="0" y="0"/>
-          <a:ext cx="0" cy="0"/>
-          <a:chOff x="0" y="0"/>
-          <a:chExt cx="0" cy="0"/>
-        </a:xfrm>
-      </p:grpSpPr>
-      <p:sp>
-        <p:nvSpPr>
-          <p:cNvPr id="2" name="Title 1"/>
-          <p:cNvSpPr>
-            <a:spLocks noGrp="1"/>
-          </p:cNvSpPr>
-          <p:nvPr>
-            <p:ph type="title"/>
-          </p:nvPr>
-        </p:nvSpPr>
-        <p:spPr/>
-        <p:txBody>
-          <a:bodyPr/>
-          <a:lstStyle/>
-          <a:p>
-            <a:endParaRPr lang="nl-BE"/>
-          </a:p>
-        </p:txBody>
-      </p:sp>
-      <p:sp>
-        <p:nvSpPr>
-          <p:cNvPr id="3" name="Content Placeholder 2"/>
-          <p:cNvSpPr>
-            <a:spLocks noGrp="1"/>
-          </p:cNvSpPr>
-          <p:nvPr>
-            <p:ph idx="1"/>
-          </p:nvPr>
-        </p:nvSpPr>
-        <p:spPr/>
-        <p:txBody>
-          <a:bodyPr/>
-          <a:lstStyle/>
-          <a:p>
             <a:r>
               <a:rPr lang="nl-BE" dirty="0" smtClean="0"/>
               <a:t>Since returns are uncertain, we need the expected portfolio return and variance:</a:t>
@@ -4463,7 +3750,7 @@
             <a:fld id="{BE457F97-EB6F-4A30-B48F-636C956170D0}" type="slidenum">
               <a:rPr lang="en-US" smtClean="0"/>
               <a:pPr/>
-              <a:t>7</a:t>
+              <a:t>10</a:t>
             </a:fld>
             <a:endParaRPr lang="en-US"/>
           </a:p>
@@ -4491,7 +3778,7 @@
           <a:graphicData uri="http://schemas.openxmlformats.org/presentationml/2006/ole">
             <mc:AlternateContent xmlns:mc="http://schemas.openxmlformats.org/markup-compatibility/2006">
               <mc:Choice xmlns:v="urn:schemas-microsoft-com:vml" Requires="v">
-                <p:oleObj spid="_x0000_s4100" name="Equation" r:id="rId3" imgW="1663560" imgH="431640" progId="Equation.3">
+                <p:oleObj spid="_x0000_s4102" name="Equation" r:id="rId3" imgW="1663560" imgH="431640" progId="Equation.3">
                   <p:embed/>
                 </p:oleObj>
               </mc:Choice>
@@ -4574,7 +3861,7 @@
           <a:graphicData uri="http://schemas.openxmlformats.org/presentationml/2006/ole">
             <mc:AlternateContent xmlns:mc="http://schemas.openxmlformats.org/markup-compatibility/2006">
               <mc:Choice xmlns:v="urn:schemas-microsoft-com:vml" Requires="v">
-                <p:oleObj spid="_x0000_s4101" name="Equation" r:id="rId5" imgW="3365280" imgH="444240" progId="Equation.3">
+                <p:oleObj spid="_x0000_s4103" name="Equation" r:id="rId5" imgW="3365280" imgH="444240" progId="Equation.3">
                   <p:embed/>
                 </p:oleObj>
               </mc:Choice>
@@ -4648,7 +3935,7 @@
 </p:sld>
 </file>
 
-<file path=ppt/slides/slide8.xml><?xml version="1.0" encoding="utf-8"?>
+<file path=ppt/slides/slide11.xml><?xml version="1.0" encoding="utf-8"?>
 <p:sld xmlns:a="http://schemas.openxmlformats.org/drawingml/2006/main" xmlns:r="http://schemas.openxmlformats.org/officeDocument/2006/relationships" xmlns:p="http://schemas.openxmlformats.org/presentationml/2006/main">
   <p:cSld>
     <p:spTree>
@@ -4761,7 +4048,7 @@
             <a:fld id="{BE457F97-EB6F-4A30-B48F-636C956170D0}" type="slidenum">
               <a:rPr lang="en-US" smtClean="0"/>
               <a:pPr/>
-              <a:t>8</a:t>
+              <a:t>11</a:t>
             </a:fld>
             <a:endParaRPr lang="en-US"/>
           </a:p>
@@ -4789,7 +4076,7 @@
           <a:graphicData uri="http://schemas.openxmlformats.org/presentationml/2006/ole">
             <mc:AlternateContent xmlns:mc="http://schemas.openxmlformats.org/markup-compatibility/2006">
               <mc:Choice xmlns:v="urn:schemas-microsoft-com:vml" Requires="v">
-                <p:oleObj spid="_x0000_s5125" name="Equation" r:id="rId3" imgW="622080" imgH="939600" progId="Equation.3">
+                <p:oleObj spid="_x0000_s5128" name="Equation" r:id="rId3" imgW="622080" imgH="939600" progId="Equation.3">
                   <p:embed/>
                 </p:oleObj>
               </mc:Choice>
@@ -4878,7 +4165,7 @@
           <a:graphicData uri="http://schemas.openxmlformats.org/presentationml/2006/ole">
             <mc:AlternateContent xmlns:mc="http://schemas.openxmlformats.org/markup-compatibility/2006">
               <mc:Choice xmlns:v="urn:schemas-microsoft-com:vml" Requires="v">
-                <p:oleObj spid="_x0000_s5126" name="Equation" r:id="rId5" imgW="622080" imgH="939600" progId="Equation.3">
+                <p:oleObj spid="_x0000_s5129" name="Equation" r:id="rId5" imgW="622080" imgH="939600" progId="Equation.3">
                   <p:embed/>
                 </p:oleObj>
               </mc:Choice>
@@ -4967,7 +4254,7 @@
           <a:graphicData uri="http://schemas.openxmlformats.org/presentationml/2006/ole">
             <mc:AlternateContent xmlns:mc="http://schemas.openxmlformats.org/markup-compatibility/2006">
               <mc:Choice xmlns:v="urn:schemas-microsoft-com:vml" Requires="v">
-                <p:oleObj spid="_x0000_s5127" name="Equation" r:id="rId7" imgW="1688760" imgH="939600" progId="Equation.3">
+                <p:oleObj spid="_x0000_s5130" name="Equation" r:id="rId7" imgW="1688760" imgH="939600" progId="Equation.3">
                   <p:embed/>
                 </p:oleObj>
               </mc:Choice>
@@ -5047,7 +4334,7 @@
 </p:sld>
 </file>
 
-<file path=ppt/slides/slide9.xml><?xml version="1.0" encoding="utf-8"?>
+<file path=ppt/slides/slide12.xml><?xml version="1.0" encoding="utf-8"?>
 <p:sld xmlns:a="http://schemas.openxmlformats.org/drawingml/2006/main" xmlns:r="http://schemas.openxmlformats.org/officeDocument/2006/relationships" xmlns:p="http://schemas.openxmlformats.org/presentationml/2006/main">
   <p:cSld>
     <p:spTree>
@@ -5111,7 +4398,7 @@
           <a:graphicData uri="http://schemas.openxmlformats.org/presentationml/2006/ole">
             <mc:AlternateContent xmlns:mc="http://schemas.openxmlformats.org/markup-compatibility/2006">
               <mc:Choice xmlns:v="urn:schemas-microsoft-com:vml" Requires="v">
-                <p:oleObj spid="_x0000_s6151" name="Equation" r:id="rId3" imgW="622080" imgH="939600" progId="Equation.3">
+                <p:oleObj spid="_x0000_s6156" name="Equation" r:id="rId3" imgW="622080" imgH="939600" progId="Equation.3">
                   <p:embed/>
                 </p:oleObj>
               </mc:Choice>
@@ -5168,7 +4455,7 @@
           <a:graphicData uri="http://schemas.openxmlformats.org/presentationml/2006/ole">
             <mc:AlternateContent xmlns:mc="http://schemas.openxmlformats.org/markup-compatibility/2006">
               <mc:Choice xmlns:v="urn:schemas-microsoft-com:vml" Requires="v">
-                <p:oleObj spid="_x0000_s6152" name="Equation" r:id="rId5" imgW="1688760" imgH="939600" progId="Equation.3">
+                <p:oleObj spid="_x0000_s6157" name="Equation" r:id="rId5" imgW="1688760" imgH="939600" progId="Equation.3">
                   <p:embed/>
                 </p:oleObj>
               </mc:Choice>
@@ -5225,7 +4512,7 @@
           <a:graphicData uri="http://schemas.openxmlformats.org/presentationml/2006/ole">
             <mc:AlternateContent xmlns:mc="http://schemas.openxmlformats.org/markup-compatibility/2006">
               <mc:Choice xmlns:v="urn:schemas-microsoft-com:vml" Requires="v">
-                <p:oleObj spid="_x0000_s6153" name="Equation" r:id="rId7" imgW="622080" imgH="939600" progId="Equation.3">
+                <p:oleObj spid="_x0000_s6158" name="Equation" r:id="rId7" imgW="622080" imgH="939600" progId="Equation.3">
                   <p:embed/>
                 </p:oleObj>
               </mc:Choice>
@@ -5308,7 +4595,7 @@
           <a:graphicData uri="http://schemas.openxmlformats.org/presentationml/2006/ole">
             <mc:AlternateContent xmlns:mc="http://schemas.openxmlformats.org/markup-compatibility/2006">
               <mc:Choice xmlns:v="urn:schemas-microsoft-com:vml" Requires="v">
-                <p:oleObj spid="_x0000_s6154" name="Equation" r:id="rId9" imgW="1269720" imgH="431640" progId="Equation.3">
+                <p:oleObj spid="_x0000_s6159" name="Equation" r:id="rId9" imgW="1269720" imgH="431640" progId="Equation.3">
                   <p:embed/>
                 </p:oleObj>
               </mc:Choice>
@@ -5365,7 +4652,7 @@
           <a:graphicData uri="http://schemas.openxmlformats.org/presentationml/2006/ole">
             <mc:AlternateContent xmlns:mc="http://schemas.openxmlformats.org/markup-compatibility/2006">
               <mc:Choice xmlns:v="urn:schemas-microsoft-com:vml" Requires="v">
-                <p:oleObj spid="_x0000_s6155" name="Equation" r:id="rId11" imgW="2590560" imgH="444240" progId="Equation.3">
+                <p:oleObj spid="_x0000_s6160" name="Equation" r:id="rId11" imgW="2590560" imgH="444240" progId="Equation.3">
                   <p:embed/>
                 </p:oleObj>
               </mc:Choice>
@@ -5573,6 +4860,1411 @@
       </p:par>
     </p:tnLst>
   </p:timing>
+</p:sld>
+</file>
+
+<file path=ppt/slides/slide13.xml><?xml version="1.0" encoding="utf-8"?>
+<p:sld xmlns:a="http://schemas.openxmlformats.org/drawingml/2006/main" xmlns:r="http://schemas.openxmlformats.org/officeDocument/2006/relationships" xmlns:p="http://schemas.openxmlformats.org/presentationml/2006/main">
+  <p:cSld>
+    <p:spTree>
+      <p:nvGrpSpPr>
+        <p:cNvPr id="1" name=""/>
+        <p:cNvGrpSpPr/>
+        <p:nvPr/>
+      </p:nvGrpSpPr>
+      <p:grpSpPr>
+        <a:xfrm>
+          <a:off x="0" y="0"/>
+          <a:ext cx="0" cy="0"/>
+          <a:chOff x="0" y="0"/>
+          <a:chExt cx="0" cy="0"/>
+        </a:xfrm>
+      </p:grpSpPr>
+      <p:sp>
+        <p:nvSpPr>
+          <p:cNvPr id="2" name="Title 1"/>
+          <p:cNvSpPr>
+            <a:spLocks noGrp="1"/>
+          </p:cNvSpPr>
+          <p:nvPr>
+            <p:ph type="title"/>
+          </p:nvPr>
+        </p:nvSpPr>
+        <p:spPr/>
+        <p:txBody>
+          <a:bodyPr/>
+          <a:lstStyle/>
+          <a:p>
+            <a:endParaRPr lang="nl-BE"/>
+          </a:p>
+        </p:txBody>
+      </p:sp>
+      <p:sp>
+        <p:nvSpPr>
+          <p:cNvPr id="3" name="Content Placeholder 2"/>
+          <p:cNvSpPr>
+            <a:spLocks noGrp="1"/>
+          </p:cNvSpPr>
+          <p:nvPr>
+            <p:ph idx="1"/>
+          </p:nvPr>
+        </p:nvSpPr>
+        <p:spPr/>
+        <p:txBody>
+          <a:bodyPr/>
+          <a:lstStyle/>
+          <a:p>
+            <a:endParaRPr lang="nl-BE"/>
+          </a:p>
+        </p:txBody>
+      </p:sp>
+    </p:spTree>
+    <p:extLst>
+      <p:ext uri="{BB962C8B-B14F-4D97-AF65-F5344CB8AC3E}">
+        <p14:creationId xmlns:p14="http://schemas.microsoft.com/office/powerpoint/2010/main" val="1931158852"/>
+      </p:ext>
+    </p:extLst>
+  </p:cSld>
+  <p:clrMapOvr>
+    <a:masterClrMapping/>
+  </p:clrMapOvr>
+</p:sld>
+</file>
+
+<file path=ppt/slides/slide14.xml><?xml version="1.0" encoding="utf-8"?>
+<p:sld xmlns:a="http://schemas.openxmlformats.org/drawingml/2006/main" xmlns:r="http://schemas.openxmlformats.org/officeDocument/2006/relationships" xmlns:p="http://schemas.openxmlformats.org/presentationml/2006/main">
+  <p:cSld>
+    <p:spTree>
+      <p:nvGrpSpPr>
+        <p:cNvPr id="1" name=""/>
+        <p:cNvGrpSpPr/>
+        <p:nvPr/>
+      </p:nvGrpSpPr>
+      <p:grpSpPr>
+        <a:xfrm>
+          <a:off x="0" y="0"/>
+          <a:ext cx="0" cy="0"/>
+          <a:chOff x="0" y="0"/>
+          <a:chExt cx="0" cy="0"/>
+        </a:xfrm>
+      </p:grpSpPr>
+      <p:sp>
+        <p:nvSpPr>
+          <p:cNvPr id="2" name="Title 1"/>
+          <p:cNvSpPr>
+            <a:spLocks noGrp="1"/>
+          </p:cNvSpPr>
+          <p:nvPr>
+            <p:ph type="ctrTitle"/>
+          </p:nvPr>
+        </p:nvSpPr>
+        <p:spPr/>
+        <p:txBody>
+          <a:bodyPr>
+            <a:normAutofit/>
+          </a:bodyPr>
+          <a:lstStyle/>
+          <a:p>
+            <a:r>
+              <a:rPr lang="en-US" dirty="0"/>
+              <a:t>Video </a:t>
+            </a:r>
+            <a:r>
+              <a:rPr lang="en-US" dirty="0" smtClean="0"/>
+              <a:t>3: </a:t>
+            </a:r>
+            <a:r>
+              <a:rPr lang="en-US" dirty="0"/>
+              <a:t> The non-normality of the return distribution </a:t>
+            </a:r>
+            <a:endParaRPr lang="nl-BE" dirty="0"/>
+          </a:p>
+        </p:txBody>
+      </p:sp>
+      <p:sp>
+        <p:nvSpPr>
+          <p:cNvPr id="3" name="Subtitle 2"/>
+          <p:cNvSpPr>
+            <a:spLocks noGrp="1"/>
+          </p:cNvSpPr>
+          <p:nvPr>
+            <p:ph type="subTitle" idx="1"/>
+          </p:nvPr>
+        </p:nvSpPr>
+        <p:spPr/>
+        <p:txBody>
+          <a:bodyPr/>
+          <a:lstStyle/>
+          <a:p>
+            <a:endParaRPr lang="nl-BE"/>
+          </a:p>
+        </p:txBody>
+      </p:sp>
+    </p:spTree>
+    <p:extLst>
+      <p:ext uri="{BB962C8B-B14F-4D97-AF65-F5344CB8AC3E}">
+        <p14:creationId xmlns:p14="http://schemas.microsoft.com/office/powerpoint/2010/main" val="3994857382"/>
+      </p:ext>
+    </p:extLst>
+  </p:cSld>
+  <p:clrMapOvr>
+    <a:masterClrMapping/>
+  </p:clrMapOvr>
+</p:sld>
+</file>
+
+<file path=ppt/slides/slide15.xml><?xml version="1.0" encoding="utf-8"?>
+<p:sld xmlns:a="http://schemas.openxmlformats.org/drawingml/2006/main" xmlns:r="http://schemas.openxmlformats.org/officeDocument/2006/relationships" xmlns:p="http://schemas.openxmlformats.org/presentationml/2006/main">
+  <p:cSld>
+    <p:spTree>
+      <p:nvGrpSpPr>
+        <p:cNvPr id="1" name=""/>
+        <p:cNvGrpSpPr/>
+        <p:nvPr/>
+      </p:nvGrpSpPr>
+      <p:grpSpPr>
+        <a:xfrm>
+          <a:off x="0" y="0"/>
+          <a:ext cx="0" cy="0"/>
+          <a:chOff x="0" y="0"/>
+          <a:chExt cx="0" cy="0"/>
+        </a:xfrm>
+      </p:grpSpPr>
+      <p:sp>
+        <p:nvSpPr>
+          <p:cNvPr id="2" name="Title 1"/>
+          <p:cNvSpPr>
+            <a:spLocks noGrp="1"/>
+          </p:cNvSpPr>
+          <p:nvPr>
+            <p:ph type="title"/>
+          </p:nvPr>
+        </p:nvSpPr>
+        <p:spPr/>
+        <p:txBody>
+          <a:bodyPr/>
+          <a:lstStyle/>
+          <a:p>
+            <a:endParaRPr lang="nl-BE"/>
+          </a:p>
+        </p:txBody>
+      </p:sp>
+      <p:sp>
+        <p:nvSpPr>
+          <p:cNvPr id="3" name="Content Placeholder 2"/>
+          <p:cNvSpPr>
+            <a:spLocks noGrp="1"/>
+          </p:cNvSpPr>
+          <p:nvPr>
+            <p:ph idx="1"/>
+          </p:nvPr>
+        </p:nvSpPr>
+        <p:spPr/>
+        <p:txBody>
+          <a:bodyPr/>
+          <a:lstStyle/>
+          <a:p>
+            <a:endParaRPr lang="nl-BE"/>
+          </a:p>
+        </p:txBody>
+      </p:sp>
+    </p:spTree>
+    <p:extLst>
+      <p:ext uri="{BB962C8B-B14F-4D97-AF65-F5344CB8AC3E}">
+        <p14:creationId xmlns:p14="http://schemas.microsoft.com/office/powerpoint/2010/main" val="3609064181"/>
+      </p:ext>
+    </p:extLst>
+  </p:cSld>
+  <p:clrMapOvr>
+    <a:masterClrMapping/>
+  </p:clrMapOvr>
+</p:sld>
+</file>
+
+<file path=ppt/slides/slide2.xml><?xml version="1.0" encoding="utf-8"?>
+<p:sld xmlns:a="http://schemas.openxmlformats.org/drawingml/2006/main" xmlns:r="http://schemas.openxmlformats.org/officeDocument/2006/relationships" xmlns:p="http://schemas.openxmlformats.org/presentationml/2006/main">
+  <p:cSld>
+    <p:spTree>
+      <p:nvGrpSpPr>
+        <p:cNvPr id="1" name=""/>
+        <p:cNvGrpSpPr/>
+        <p:nvPr/>
+      </p:nvGrpSpPr>
+      <p:grpSpPr>
+        <a:xfrm>
+          <a:off x="0" y="0"/>
+          <a:ext cx="0" cy="0"/>
+          <a:chOff x="0" y="0"/>
+          <a:chExt cx="0" cy="0"/>
+        </a:xfrm>
+      </p:grpSpPr>
+      <p:sp>
+        <p:nvSpPr>
+          <p:cNvPr id="2" name="Title 1"/>
+          <p:cNvSpPr>
+            <a:spLocks noGrp="1"/>
+          </p:cNvSpPr>
+          <p:nvPr>
+            <p:ph type="title"/>
+          </p:nvPr>
+        </p:nvSpPr>
+        <p:spPr/>
+        <p:txBody>
+          <a:bodyPr/>
+          <a:lstStyle/>
+          <a:p>
+            <a:endParaRPr lang="nl-BE"/>
+          </a:p>
+        </p:txBody>
+      </p:sp>
+      <p:sp>
+        <p:nvSpPr>
+          <p:cNvPr id="3" name="Content Placeholder 2"/>
+          <p:cNvSpPr>
+            <a:spLocks noGrp="1"/>
+          </p:cNvSpPr>
+          <p:nvPr>
+            <p:ph idx="1"/>
+          </p:nvPr>
+        </p:nvSpPr>
+        <p:spPr/>
+        <p:txBody>
+          <a:bodyPr/>
+          <a:lstStyle/>
+          <a:p>
+            <a:endParaRPr lang="nl-BE"/>
+          </a:p>
+        </p:txBody>
+      </p:sp>
+    </p:spTree>
+    <p:extLst>
+      <p:ext uri="{BB962C8B-B14F-4D97-AF65-F5344CB8AC3E}">
+        <p14:creationId xmlns:p14="http://schemas.microsoft.com/office/powerpoint/2010/main" val="1595956234"/>
+      </p:ext>
+    </p:extLst>
+  </p:cSld>
+  <p:clrMapOvr>
+    <a:masterClrMapping/>
+  </p:clrMapOvr>
+</p:sld>
+</file>
+
+<file path=ppt/slides/slide3.xml><?xml version="1.0" encoding="utf-8"?>
+<p:sld xmlns:a="http://schemas.openxmlformats.org/drawingml/2006/main" xmlns:r="http://schemas.openxmlformats.org/officeDocument/2006/relationships" xmlns:p="http://schemas.openxmlformats.org/presentationml/2006/main">
+  <p:cSld>
+    <p:spTree>
+      <p:nvGrpSpPr>
+        <p:cNvPr id="1" name=""/>
+        <p:cNvGrpSpPr/>
+        <p:nvPr/>
+      </p:nvGrpSpPr>
+      <p:grpSpPr>
+        <a:xfrm>
+          <a:off x="0" y="0"/>
+          <a:ext cx="0" cy="0"/>
+          <a:chOff x="0" y="0"/>
+          <a:chExt cx="0" cy="0"/>
+        </a:xfrm>
+      </p:grpSpPr>
+      <p:sp>
+        <p:nvSpPr>
+          <p:cNvPr id="2" name="Title 1"/>
+          <p:cNvSpPr>
+            <a:spLocks noGrp="1"/>
+          </p:cNvSpPr>
+          <p:nvPr>
+            <p:ph type="title"/>
+          </p:nvPr>
+        </p:nvSpPr>
+        <p:spPr/>
+        <p:txBody>
+          <a:bodyPr/>
+          <a:lstStyle/>
+          <a:p>
+            <a:endParaRPr lang="nl-BE"/>
+          </a:p>
+        </p:txBody>
+      </p:sp>
+      <p:sp>
+        <p:nvSpPr>
+          <p:cNvPr id="3" name="Content Placeholder 2"/>
+          <p:cNvSpPr>
+            <a:spLocks noGrp="1"/>
+          </p:cNvSpPr>
+          <p:nvPr>
+            <p:ph idx="1"/>
+          </p:nvPr>
+        </p:nvSpPr>
+        <p:spPr/>
+        <p:txBody>
+          <a:bodyPr/>
+          <a:lstStyle/>
+          <a:p>
+            <a:endParaRPr lang="nl-BE"/>
+          </a:p>
+        </p:txBody>
+      </p:sp>
+    </p:spTree>
+    <p:extLst>
+      <p:ext uri="{BB962C8B-B14F-4D97-AF65-F5344CB8AC3E}">
+        <p14:creationId xmlns:p14="http://schemas.microsoft.com/office/powerpoint/2010/main" val="1550461859"/>
+      </p:ext>
+    </p:extLst>
+  </p:cSld>
+  <p:clrMapOvr>
+    <a:masterClrMapping/>
+  </p:clrMapOvr>
+</p:sld>
+</file>
+
+<file path=ppt/slides/slide4.xml><?xml version="1.0" encoding="utf-8"?>
+<p:sld xmlns:a="http://schemas.openxmlformats.org/drawingml/2006/main" xmlns:r="http://schemas.openxmlformats.org/officeDocument/2006/relationships" xmlns:p="http://schemas.openxmlformats.org/presentationml/2006/main">
+  <p:cSld>
+    <p:spTree>
+      <p:nvGrpSpPr>
+        <p:cNvPr id="1" name=""/>
+        <p:cNvGrpSpPr/>
+        <p:nvPr/>
+      </p:nvGrpSpPr>
+      <p:grpSpPr>
+        <a:xfrm>
+          <a:off x="0" y="0"/>
+          <a:ext cx="0" cy="0"/>
+          <a:chOff x="0" y="0"/>
+          <a:chExt cx="0" cy="0"/>
+        </a:xfrm>
+      </p:grpSpPr>
+      <p:sp>
+        <p:nvSpPr>
+          <p:cNvPr id="2" name="Title 1"/>
+          <p:cNvSpPr>
+            <a:spLocks noGrp="1"/>
+          </p:cNvSpPr>
+          <p:nvPr>
+            <p:ph type="title"/>
+          </p:nvPr>
+        </p:nvSpPr>
+        <p:spPr/>
+        <p:txBody>
+          <a:bodyPr/>
+          <a:lstStyle/>
+          <a:p>
+            <a:endParaRPr lang="nl-BE"/>
+          </a:p>
+        </p:txBody>
+      </p:sp>
+      <p:sp>
+        <p:nvSpPr>
+          <p:cNvPr id="3" name="Content Placeholder 2"/>
+          <p:cNvSpPr>
+            <a:spLocks noGrp="1"/>
+          </p:cNvSpPr>
+          <p:nvPr>
+            <p:ph idx="1"/>
+          </p:nvPr>
+        </p:nvSpPr>
+        <p:spPr/>
+        <p:txBody>
+          <a:bodyPr/>
+          <a:lstStyle/>
+          <a:p>
+            <a:endParaRPr lang="nl-BE"/>
+          </a:p>
+        </p:txBody>
+      </p:sp>
+    </p:spTree>
+    <p:extLst>
+      <p:ext uri="{BB962C8B-B14F-4D97-AF65-F5344CB8AC3E}">
+        <p14:creationId xmlns:p14="http://schemas.microsoft.com/office/powerpoint/2010/main" val="1183795847"/>
+      </p:ext>
+    </p:extLst>
+  </p:cSld>
+  <p:clrMapOvr>
+    <a:masterClrMapping/>
+  </p:clrMapOvr>
+</p:sld>
+</file>
+
+<file path=ppt/slides/slide5.xml><?xml version="1.0" encoding="utf-8"?>
+<p:sld xmlns:a="http://schemas.openxmlformats.org/drawingml/2006/main" xmlns:r="http://schemas.openxmlformats.org/officeDocument/2006/relationships" xmlns:p="http://schemas.openxmlformats.org/presentationml/2006/main">
+  <p:cSld>
+    <p:spTree>
+      <p:nvGrpSpPr>
+        <p:cNvPr id="1" name=""/>
+        <p:cNvGrpSpPr/>
+        <p:nvPr/>
+      </p:nvGrpSpPr>
+      <p:grpSpPr>
+        <a:xfrm>
+          <a:off x="0" y="0"/>
+          <a:ext cx="0" cy="0"/>
+          <a:chOff x="0" y="0"/>
+          <a:chExt cx="0" cy="0"/>
+        </a:xfrm>
+      </p:grpSpPr>
+      <p:sp>
+        <p:nvSpPr>
+          <p:cNvPr id="2" name="Title 1"/>
+          <p:cNvSpPr>
+            <a:spLocks noGrp="1"/>
+          </p:cNvSpPr>
+          <p:nvPr>
+            <p:ph type="title"/>
+          </p:nvPr>
+        </p:nvSpPr>
+        <p:spPr/>
+        <p:txBody>
+          <a:bodyPr/>
+          <a:lstStyle/>
+          <a:p>
+            <a:endParaRPr lang="nl-BE"/>
+          </a:p>
+        </p:txBody>
+      </p:sp>
+      <p:sp>
+        <p:nvSpPr>
+          <p:cNvPr id="3" name="Content Placeholder 2"/>
+          <p:cNvSpPr>
+            <a:spLocks noGrp="1"/>
+          </p:cNvSpPr>
+          <p:nvPr>
+            <p:ph idx="1"/>
+          </p:nvPr>
+        </p:nvSpPr>
+        <p:spPr/>
+        <p:txBody>
+          <a:bodyPr/>
+          <a:lstStyle/>
+          <a:p>
+            <a:endParaRPr lang="nl-BE"/>
+          </a:p>
+        </p:txBody>
+      </p:sp>
+    </p:spTree>
+    <p:extLst>
+      <p:ext uri="{BB962C8B-B14F-4D97-AF65-F5344CB8AC3E}">
+        <p14:creationId xmlns:p14="http://schemas.microsoft.com/office/powerpoint/2010/main" val="1150264813"/>
+      </p:ext>
+    </p:extLst>
+  </p:cSld>
+  <p:clrMapOvr>
+    <a:masterClrMapping/>
+  </p:clrMapOvr>
+</p:sld>
+</file>
+
+<file path=ppt/slides/slide6.xml><?xml version="1.0" encoding="utf-8"?>
+<p:sld xmlns:a="http://schemas.openxmlformats.org/drawingml/2006/main" xmlns:r="http://schemas.openxmlformats.org/officeDocument/2006/relationships" xmlns:p="http://schemas.openxmlformats.org/presentationml/2006/main">
+  <p:cSld>
+    <p:spTree>
+      <p:nvGrpSpPr>
+        <p:cNvPr id="1" name=""/>
+        <p:cNvGrpSpPr/>
+        <p:nvPr/>
+      </p:nvGrpSpPr>
+      <p:grpSpPr>
+        <a:xfrm>
+          <a:off x="0" y="0"/>
+          <a:ext cx="0" cy="0"/>
+          <a:chOff x="0" y="0"/>
+          <a:chExt cx="0" cy="0"/>
+        </a:xfrm>
+      </p:grpSpPr>
+      <p:sp>
+        <p:nvSpPr>
+          <p:cNvPr id="2" name="Title 1"/>
+          <p:cNvSpPr>
+            <a:spLocks noGrp="1"/>
+          </p:cNvSpPr>
+          <p:nvPr>
+            <p:ph type="ctrTitle"/>
+          </p:nvPr>
+        </p:nvSpPr>
+        <p:spPr/>
+        <p:txBody>
+          <a:bodyPr>
+            <a:normAutofit/>
+          </a:bodyPr>
+          <a:lstStyle/>
+          <a:p>
+            <a:r>
+              <a:rPr lang="en-US" dirty="0"/>
+              <a:t>Video </a:t>
+            </a:r>
+            <a:r>
+              <a:rPr lang="en-US" dirty="0" smtClean="0"/>
+              <a:t>2</a:t>
+            </a:r>
+            <a:r>
+              <a:rPr lang="en-US" smtClean="0"/>
+              <a:t>: </a:t>
+            </a:r>
+            <a:r>
+              <a:rPr lang="en-US"/>
+              <a:t>The general case using matrix notation</a:t>
+            </a:r>
+            <a:endParaRPr lang="nl-BE" dirty="0"/>
+          </a:p>
+        </p:txBody>
+      </p:sp>
+      <p:sp>
+        <p:nvSpPr>
+          <p:cNvPr id="3" name="Subtitle 2"/>
+          <p:cNvSpPr>
+            <a:spLocks noGrp="1"/>
+          </p:cNvSpPr>
+          <p:nvPr>
+            <p:ph type="subTitle" idx="1"/>
+          </p:nvPr>
+        </p:nvSpPr>
+        <p:spPr/>
+        <p:txBody>
+          <a:bodyPr/>
+          <a:lstStyle/>
+          <a:p>
+            <a:endParaRPr lang="nl-BE"/>
+          </a:p>
+        </p:txBody>
+      </p:sp>
+    </p:spTree>
+    <p:extLst>
+      <p:ext uri="{BB962C8B-B14F-4D97-AF65-F5344CB8AC3E}">
+        <p14:creationId xmlns:p14="http://schemas.microsoft.com/office/powerpoint/2010/main" val="3341379040"/>
+      </p:ext>
+    </p:extLst>
+  </p:cSld>
+  <p:clrMapOvr>
+    <a:masterClrMapping/>
+  </p:clrMapOvr>
+</p:sld>
+</file>
+
+<file path=ppt/slides/slide7.xml><?xml version="1.0" encoding="utf-8"?>
+<p:sld xmlns:a="http://schemas.openxmlformats.org/drawingml/2006/main" xmlns:r="http://schemas.openxmlformats.org/officeDocument/2006/relationships" xmlns:p="http://schemas.openxmlformats.org/presentationml/2006/main">
+  <p:cSld>
+    <p:spTree>
+      <p:nvGrpSpPr>
+        <p:cNvPr id="1" name=""/>
+        <p:cNvGrpSpPr/>
+        <p:nvPr/>
+      </p:nvGrpSpPr>
+      <p:grpSpPr>
+        <a:xfrm>
+          <a:off x="0" y="0"/>
+          <a:ext cx="0" cy="0"/>
+          <a:chOff x="0" y="0"/>
+          <a:chExt cx="0" cy="0"/>
+        </a:xfrm>
+      </p:grpSpPr>
+      <p:sp>
+        <p:nvSpPr>
+          <p:cNvPr id="2" name="Title 1"/>
+          <p:cNvSpPr>
+            <a:spLocks noGrp="1"/>
+          </p:cNvSpPr>
+          <p:nvPr>
+            <p:ph type="title"/>
+          </p:nvPr>
+        </p:nvSpPr>
+        <p:spPr/>
+        <p:txBody>
+          <a:bodyPr/>
+          <a:lstStyle/>
+          <a:p>
+            <a:endParaRPr lang="nl-BE"/>
+          </a:p>
+        </p:txBody>
+      </p:sp>
+      <p:sp>
+        <p:nvSpPr>
+          <p:cNvPr id="3" name="Content Placeholder 2"/>
+          <p:cNvSpPr>
+            <a:spLocks noGrp="1"/>
+          </p:cNvSpPr>
+          <p:nvPr>
+            <p:ph idx="1"/>
+          </p:nvPr>
+        </p:nvSpPr>
+        <p:spPr/>
+        <p:txBody>
+          <a:bodyPr>
+            <a:normAutofit fontScale="85000" lnSpcReduction="10000"/>
+          </a:bodyPr>
+          <a:lstStyle/>
+          <a:p>
+            <a:r>
+              <a:rPr lang="nl-BE" dirty="0" smtClean="0"/>
+              <a:t>Suppose we have N risky assets, denoted by i=1,2,…,N</a:t>
+            </a:r>
+          </a:p>
+          <a:p>
+            <a:r>
+              <a:rPr lang="nl-BE" dirty="0" smtClean="0"/>
+              <a:t>Assume the investment period is t-1 till t.</a:t>
+            </a:r>
+          </a:p>
+          <a:p>
+            <a:r>
+              <a:rPr lang="nl-BE" dirty="0" smtClean="0"/>
+              <a:t>Assume the portfolio is fully invested and we use weights to express the percentage of the total value invested in each asset:</a:t>
+            </a:r>
+          </a:p>
+          <a:p>
+            <a:endParaRPr lang="nl-BE" dirty="0"/>
+          </a:p>
+          <a:p>
+            <a:endParaRPr lang="nl-BE" dirty="0" smtClean="0"/>
+          </a:p>
+          <a:p>
+            <a:endParaRPr lang="nl-BE" dirty="0"/>
+          </a:p>
+          <a:p>
+            <a:r>
+              <a:rPr lang="nl-BE" dirty="0" smtClean="0"/>
+              <a:t>For each asset, we have the simple return over the investment period t-1 till t:</a:t>
+            </a:r>
+            <a:endParaRPr lang="nl-BE" dirty="0"/>
+          </a:p>
+        </p:txBody>
+      </p:sp>
+      <p:sp>
+        <p:nvSpPr>
+          <p:cNvPr id="4" name="Slide Number Placeholder 3"/>
+          <p:cNvSpPr>
+            <a:spLocks noGrp="1"/>
+          </p:cNvSpPr>
+          <p:nvPr>
+            <p:ph type="sldNum" sz="quarter" idx="12"/>
+          </p:nvPr>
+        </p:nvSpPr>
+        <p:spPr/>
+        <p:txBody>
+          <a:bodyPr/>
+          <a:lstStyle/>
+          <a:p>
+            <a:fld id="{BE457F97-EB6F-4A30-B48F-636C956170D0}" type="slidenum">
+              <a:rPr lang="en-US" smtClean="0"/>
+              <a:pPr/>
+              <a:t>7</a:t>
+            </a:fld>
+            <a:endParaRPr lang="en-US"/>
+          </a:p>
+        </p:txBody>
+      </p:sp>
+      <p:graphicFrame>
+        <p:nvGraphicFramePr>
+          <p:cNvPr id="5" name="Object 4"/>
+          <p:cNvGraphicFramePr>
+            <a:graphicFrameLocks noChangeAspect="1"/>
+          </p:cNvGraphicFramePr>
+          <p:nvPr>
+            <p:extLst>
+              <p:ext uri="{D42A27DB-BD31-4B8C-83A1-F6EECF244321}">
+                <p14:modId xmlns:p14="http://schemas.microsoft.com/office/powerpoint/2010/main" val="2883729824"/>
+              </p:ext>
+            </p:extLst>
+          </p:nvPr>
+        </p:nvGraphicFramePr>
+        <p:xfrm>
+          <a:off x="762000" y="3886200"/>
+          <a:ext cx="7204075" cy="746125"/>
+        </p:xfrm>
+        <a:graphic>
+          <a:graphicData uri="http://schemas.openxmlformats.org/presentationml/2006/ole">
+            <mc:AlternateContent xmlns:mc="http://schemas.openxmlformats.org/markup-compatibility/2006">
+              <mc:Choice xmlns:v="urn:schemas-microsoft-com:vml" Requires="v">
+                <p:oleObj spid="_x0000_s1030" name="Equation" r:id="rId3" imgW="4546440" imgH="469800" progId="Equation.3">
+                  <p:embed/>
+                </p:oleObj>
+              </mc:Choice>
+              <mc:Fallback>
+                <p:oleObj name="Equation" r:id="rId3" imgW="4546440" imgH="469800" progId="Equation.3">
+                  <p:embed/>
+                  <p:pic>
+                    <p:nvPicPr>
+                      <p:cNvPr id="0" name=""/>
+                      <p:cNvPicPr/>
+                      <p:nvPr/>
+                    </p:nvPicPr>
+                    <p:blipFill>
+                      <a:blip r:embed="rId4"/>
+                      <a:stretch>
+                        <a:fillRect/>
+                      </a:stretch>
+                    </p:blipFill>
+                    <p:spPr>
+                      <a:xfrm>
+                        <a:off x="762000" y="3886200"/>
+                        <a:ext cx="7204075" cy="746125"/>
+                      </a:xfrm>
+                      <a:prstGeom prst="rect">
+                        <a:avLst/>
+                      </a:prstGeom>
+                    </p:spPr>
+                  </p:pic>
+                </p:oleObj>
+              </mc:Fallback>
+            </mc:AlternateContent>
+          </a:graphicData>
+        </a:graphic>
+      </p:graphicFrame>
+      <p:graphicFrame>
+        <p:nvGraphicFramePr>
+          <p:cNvPr id="6" name="Object 5"/>
+          <p:cNvGraphicFramePr>
+            <a:graphicFrameLocks noChangeAspect="1"/>
+          </p:cNvGraphicFramePr>
+          <p:nvPr>
+            <p:extLst>
+              <p:ext uri="{D42A27DB-BD31-4B8C-83A1-F6EECF244321}">
+                <p14:modId xmlns:p14="http://schemas.microsoft.com/office/powerpoint/2010/main" val="3005693782"/>
+              </p:ext>
+            </p:extLst>
+          </p:nvPr>
+        </p:nvGraphicFramePr>
+        <p:xfrm>
+          <a:off x="2590800" y="5867400"/>
+          <a:ext cx="2536825" cy="763587"/>
+        </p:xfrm>
+        <a:graphic>
+          <a:graphicData uri="http://schemas.openxmlformats.org/presentationml/2006/ole">
+            <mc:AlternateContent xmlns:mc="http://schemas.openxmlformats.org/markup-compatibility/2006">
+              <mc:Choice xmlns:v="urn:schemas-microsoft-com:vml" Requires="v">
+                <p:oleObj spid="_x0000_s1031" name="Equation" r:id="rId5" imgW="1600200" imgH="482400" progId="Equation.3">
+                  <p:embed/>
+                </p:oleObj>
+              </mc:Choice>
+              <mc:Fallback>
+                <p:oleObj name="Equation" r:id="rId5" imgW="1600200" imgH="482400" progId="Equation.3">
+                  <p:embed/>
+                  <p:pic>
+                    <p:nvPicPr>
+                      <p:cNvPr id="0" name=""/>
+                      <p:cNvPicPr>
+                        <a:picLocks noChangeAspect="1" noChangeArrowheads="1"/>
+                      </p:cNvPicPr>
+                      <p:nvPr/>
+                    </p:nvPicPr>
+                    <p:blipFill>
+                      <a:blip r:embed="rId6"/>
+                      <a:srcRect/>
+                      <a:stretch>
+                        <a:fillRect/>
+                      </a:stretch>
+                    </p:blipFill>
+                    <p:spPr bwMode="auto">
+                      <a:xfrm>
+                        <a:off x="2590800" y="5867400"/>
+                        <a:ext cx="2536825" cy="763587"/>
+                      </a:xfrm>
+                      <a:prstGeom prst="rect">
+                        <a:avLst/>
+                      </a:prstGeom>
+                      <a:noFill/>
+                      <a:ln>
+                        <a:noFill/>
+                      </a:ln>
+                      <a:extLst>
+                        <a:ext uri="{909E8E84-426E-40DD-AFC4-6F175D3DCCD1}">
+                          <a14:hiddenFill xmlns:a14="http://schemas.microsoft.com/office/drawing/2010/main">
+                            <a:solidFill>
+                              <a:srgbClr val="FFFFFF"/>
+                            </a:solidFill>
+                          </a14:hiddenFill>
+                        </a:ext>
+                        <a:ext uri="{91240B29-F687-4F45-9708-019B960494DF}">
+                          <a14:hiddenLine xmlns:a14="http://schemas.microsoft.com/office/drawing/2010/main" w="9525">
+                            <a:solidFill>
+                              <a:srgbClr val="000000"/>
+                            </a:solidFill>
+                            <a:miter lim="800000"/>
+                            <a:headEnd/>
+                            <a:tailEnd/>
+                          </a14:hiddenLine>
+                        </a:ext>
+                      </a:extLst>
+                    </p:spPr>
+                  </p:pic>
+                </p:oleObj>
+              </mc:Fallback>
+            </mc:AlternateContent>
+          </a:graphicData>
+        </a:graphic>
+      </p:graphicFrame>
+    </p:spTree>
+    <p:extLst>
+      <p:ext uri="{BB962C8B-B14F-4D97-AF65-F5344CB8AC3E}">
+        <p14:creationId xmlns:p14="http://schemas.microsoft.com/office/powerpoint/2010/main" val="994794699"/>
+      </p:ext>
+    </p:extLst>
+  </p:cSld>
+  <p:clrMapOvr>
+    <a:masterClrMapping/>
+  </p:clrMapOvr>
+</p:sld>
+</file>
+
+<file path=ppt/slides/slide8.xml><?xml version="1.0" encoding="utf-8"?>
+<p:sld xmlns:a="http://schemas.openxmlformats.org/drawingml/2006/main" xmlns:r="http://schemas.openxmlformats.org/officeDocument/2006/relationships" xmlns:p="http://schemas.openxmlformats.org/presentationml/2006/main">
+  <p:cSld>
+    <p:spTree>
+      <p:nvGrpSpPr>
+        <p:cNvPr id="1" name=""/>
+        <p:cNvGrpSpPr/>
+        <p:nvPr/>
+      </p:nvGrpSpPr>
+      <p:grpSpPr>
+        <a:xfrm>
+          <a:off x="0" y="0"/>
+          <a:ext cx="0" cy="0"/>
+          <a:chOff x="0" y="0"/>
+          <a:chExt cx="0" cy="0"/>
+        </a:xfrm>
+      </p:grpSpPr>
+      <p:sp>
+        <p:nvSpPr>
+          <p:cNvPr id="2" name="Title 1"/>
+          <p:cNvSpPr>
+            <a:spLocks noGrp="1"/>
+          </p:cNvSpPr>
+          <p:nvPr>
+            <p:ph type="title"/>
+          </p:nvPr>
+        </p:nvSpPr>
+        <p:spPr/>
+        <p:txBody>
+          <a:bodyPr>
+            <a:normAutofit fontScale="90000"/>
+          </a:bodyPr>
+          <a:lstStyle/>
+          <a:p>
+            <a:r>
+              <a:rPr lang="nl-BE" dirty="0" smtClean="0"/>
+              <a:t>The portfolio return = weighted average of the component returns</a:t>
+            </a:r>
+            <a:endParaRPr lang="nl-BE" dirty="0"/>
+          </a:p>
+        </p:txBody>
+      </p:sp>
+      <p:sp>
+        <p:nvSpPr>
+          <p:cNvPr id="3" name="Content Placeholder 2"/>
+          <p:cNvSpPr>
+            <a:spLocks noGrp="1"/>
+          </p:cNvSpPr>
+          <p:nvPr>
+            <p:ph idx="1"/>
+          </p:nvPr>
+        </p:nvSpPr>
+        <p:spPr/>
+        <p:txBody>
+          <a:bodyPr>
+            <a:normAutofit/>
+          </a:bodyPr>
+          <a:lstStyle/>
+          <a:p>
+            <a:r>
+              <a:rPr lang="nl-BE" dirty="0" smtClean="0"/>
+              <a:t>The return of a portfolio between time t-1 and time t that places at time t-1 weight w</a:t>
+            </a:r>
+            <a:r>
+              <a:rPr lang="nl-BE" baseline="-25000" dirty="0" smtClean="0"/>
+              <a:t>i</a:t>
+            </a:r>
+            <a:r>
+              <a:rPr lang="nl-BE" dirty="0" smtClean="0"/>
+              <a:t> on asset i is:</a:t>
+            </a:r>
+          </a:p>
+          <a:p>
+            <a:endParaRPr lang="nl-BE" dirty="0"/>
+          </a:p>
+          <a:p>
+            <a:endParaRPr lang="nl-BE" dirty="0" smtClean="0"/>
+          </a:p>
+          <a:p>
+            <a:pPr marL="0" indent="0">
+              <a:buNone/>
+            </a:pPr>
+            <a:r>
+              <a:rPr lang="nl-BE" dirty="0"/>
+              <a:t>w</a:t>
+            </a:r>
+            <a:r>
+              <a:rPr lang="nl-BE" dirty="0" smtClean="0"/>
+              <a:t>here R</a:t>
+            </a:r>
+            <a:r>
+              <a:rPr lang="nl-BE" baseline="-25000" dirty="0" smtClean="0"/>
+              <a:t>it</a:t>
+            </a:r>
+            <a:r>
+              <a:rPr lang="nl-BE" dirty="0" smtClean="0"/>
+              <a:t> is the simple return of asset i.</a:t>
+            </a:r>
+            <a:endParaRPr lang="nl-BE" dirty="0"/>
+          </a:p>
+        </p:txBody>
+      </p:sp>
+      <p:graphicFrame>
+        <p:nvGraphicFramePr>
+          <p:cNvPr id="4" name="Object 3"/>
+          <p:cNvGraphicFramePr>
+            <a:graphicFrameLocks noChangeAspect="1"/>
+          </p:cNvGraphicFramePr>
+          <p:nvPr>
+            <p:extLst>
+              <p:ext uri="{D42A27DB-BD31-4B8C-83A1-F6EECF244321}">
+                <p14:modId xmlns:p14="http://schemas.microsoft.com/office/powerpoint/2010/main" val="2782019192"/>
+              </p:ext>
+            </p:extLst>
+          </p:nvPr>
+        </p:nvGraphicFramePr>
+        <p:xfrm>
+          <a:off x="3200400" y="3352800"/>
+          <a:ext cx="1559859" cy="736600"/>
+        </p:xfrm>
+        <a:graphic>
+          <a:graphicData uri="http://schemas.openxmlformats.org/presentationml/2006/ole">
+            <mc:AlternateContent xmlns:mc="http://schemas.openxmlformats.org/markup-compatibility/2006">
+              <mc:Choice xmlns:v="urn:schemas-microsoft-com:vml" Requires="v">
+                <p:oleObj spid="_x0000_s2052" name="Equation" r:id="rId3" imgW="914400" imgH="431640" progId="Equation.3">
+                  <p:embed/>
+                </p:oleObj>
+              </mc:Choice>
+              <mc:Fallback>
+                <p:oleObj name="Equation" r:id="rId3" imgW="914400" imgH="431640" progId="Equation.3">
+                  <p:embed/>
+                  <p:pic>
+                    <p:nvPicPr>
+                      <p:cNvPr id="0" name=""/>
+                      <p:cNvPicPr/>
+                      <p:nvPr/>
+                    </p:nvPicPr>
+                    <p:blipFill>
+                      <a:blip r:embed="rId4"/>
+                      <a:stretch>
+                        <a:fillRect/>
+                      </a:stretch>
+                    </p:blipFill>
+                    <p:spPr>
+                      <a:xfrm>
+                        <a:off x="3200400" y="3352800"/>
+                        <a:ext cx="1559859" cy="736600"/>
+                      </a:xfrm>
+                      <a:prstGeom prst="rect">
+                        <a:avLst/>
+                      </a:prstGeom>
+                    </p:spPr>
+                  </p:pic>
+                </p:oleObj>
+              </mc:Fallback>
+            </mc:AlternateContent>
+          </a:graphicData>
+        </a:graphic>
+      </p:graphicFrame>
+    </p:spTree>
+    <p:extLst>
+      <p:ext uri="{BB962C8B-B14F-4D97-AF65-F5344CB8AC3E}">
+        <p14:creationId xmlns:p14="http://schemas.microsoft.com/office/powerpoint/2010/main" val="1067647129"/>
+      </p:ext>
+    </p:extLst>
+  </p:cSld>
+  <p:clrMapOvr>
+    <a:masterClrMapping/>
+  </p:clrMapOvr>
+</p:sld>
+</file>
+
+<file path=ppt/slides/slide9.xml><?xml version="1.0" encoding="utf-8"?>
+<p:sld xmlns:a="http://schemas.openxmlformats.org/drawingml/2006/main" xmlns:r="http://schemas.openxmlformats.org/officeDocument/2006/relationships" xmlns:p="http://schemas.openxmlformats.org/presentationml/2006/main">
+  <p:cSld>
+    <p:spTree>
+      <p:nvGrpSpPr>
+        <p:cNvPr id="1" name=""/>
+        <p:cNvGrpSpPr/>
+        <p:nvPr/>
+      </p:nvGrpSpPr>
+      <p:grpSpPr>
+        <a:xfrm>
+          <a:off x="0" y="0"/>
+          <a:ext cx="0" cy="0"/>
+          <a:chOff x="0" y="0"/>
+          <a:chExt cx="0" cy="0"/>
+        </a:xfrm>
+      </p:grpSpPr>
+      <p:sp>
+        <p:nvSpPr>
+          <p:cNvPr id="2" name="Title 1"/>
+          <p:cNvSpPr>
+            <a:spLocks noGrp="1"/>
+          </p:cNvSpPr>
+          <p:nvPr>
+            <p:ph type="title"/>
+          </p:nvPr>
+        </p:nvSpPr>
+        <p:spPr/>
+        <p:txBody>
+          <a:bodyPr/>
+          <a:lstStyle/>
+          <a:p>
+            <a:endParaRPr lang="nl-BE"/>
+          </a:p>
+        </p:txBody>
+      </p:sp>
+      <p:sp>
+        <p:nvSpPr>
+          <p:cNvPr id="3" name="Content Placeholder 2"/>
+          <p:cNvSpPr>
+            <a:spLocks noGrp="1"/>
+          </p:cNvSpPr>
+          <p:nvPr>
+            <p:ph idx="1"/>
+          </p:nvPr>
+        </p:nvSpPr>
+        <p:spPr/>
+        <p:txBody>
+          <a:bodyPr/>
+          <a:lstStyle/>
+          <a:p>
+            <a:r>
+              <a:rPr lang="nl-BE" dirty="0" smtClean="0"/>
+              <a:t>Matrix notation: portfolio return is the inner product of the weights (column-)vector and the return (column-)vector:</a:t>
+            </a:r>
+            <a:endParaRPr lang="nl-BE" dirty="0"/>
+          </a:p>
+        </p:txBody>
+      </p:sp>
+      <p:sp>
+        <p:nvSpPr>
+          <p:cNvPr id="4" name="Slide Number Placeholder 3"/>
+          <p:cNvSpPr>
+            <a:spLocks noGrp="1"/>
+          </p:cNvSpPr>
+          <p:nvPr>
+            <p:ph type="sldNum" sz="quarter" idx="12"/>
+          </p:nvPr>
+        </p:nvSpPr>
+        <p:spPr/>
+        <p:txBody>
+          <a:bodyPr/>
+          <a:lstStyle/>
+          <a:p>
+            <a:fld id="{BE457F97-EB6F-4A30-B48F-636C956170D0}" type="slidenum">
+              <a:rPr lang="en-US" smtClean="0"/>
+              <a:pPr/>
+              <a:t>9</a:t>
+            </a:fld>
+            <a:endParaRPr lang="en-US"/>
+          </a:p>
+        </p:txBody>
+      </p:sp>
+      <p:graphicFrame>
+        <p:nvGraphicFramePr>
+          <p:cNvPr id="5" name="Object 4"/>
+          <p:cNvGraphicFramePr>
+            <a:graphicFrameLocks noChangeAspect="1"/>
+          </p:cNvGraphicFramePr>
+          <p:nvPr>
+            <p:extLst>
+              <p:ext uri="{D42A27DB-BD31-4B8C-83A1-F6EECF244321}">
+                <p14:modId xmlns:p14="http://schemas.microsoft.com/office/powerpoint/2010/main" val="3601761460"/>
+              </p:ext>
+            </p:extLst>
+          </p:nvPr>
+        </p:nvGraphicFramePr>
+        <p:xfrm>
+          <a:off x="1905000" y="4572000"/>
+          <a:ext cx="1066800" cy="1611313"/>
+        </p:xfrm>
+        <a:graphic>
+          <a:graphicData uri="http://schemas.openxmlformats.org/presentationml/2006/ole">
+            <mc:AlternateContent xmlns:mc="http://schemas.openxmlformats.org/markup-compatibility/2006">
+              <mc:Choice xmlns:v="urn:schemas-microsoft-com:vml" Requires="v">
+                <p:oleObj spid="_x0000_s3080" name="Equation" r:id="rId3" imgW="622030" imgH="939392" progId="Equation.3">
+                  <p:embed/>
+                </p:oleObj>
+              </mc:Choice>
+              <mc:Fallback>
+                <p:oleObj name="Equation" r:id="rId3" imgW="622030" imgH="939392" progId="Equation.3">
+                  <p:embed/>
+                  <p:pic>
+                    <p:nvPicPr>
+                      <p:cNvPr id="0" name=""/>
+                      <p:cNvPicPr>
+                        <a:picLocks noChangeAspect="1" noChangeArrowheads="1"/>
+                      </p:cNvPicPr>
+                      <p:nvPr/>
+                    </p:nvPicPr>
+                    <p:blipFill>
+                      <a:blip r:embed="rId4">
+                        <a:extLst>
+                          <a:ext uri="{28A0092B-C50C-407E-A947-70E740481C1C}">
+                            <a14:useLocalDpi xmlns:a14="http://schemas.microsoft.com/office/drawing/2010/main" val="0"/>
+                          </a:ext>
+                        </a:extLst>
+                      </a:blip>
+                      <a:srcRect/>
+                      <a:stretch>
+                        <a:fillRect/>
+                      </a:stretch>
+                    </p:blipFill>
+                    <p:spPr bwMode="auto">
+                      <a:xfrm>
+                        <a:off x="1905000" y="4572000"/>
+                        <a:ext cx="1066800" cy="1611313"/>
+                      </a:xfrm>
+                      <a:prstGeom prst="rect">
+                        <a:avLst/>
+                      </a:prstGeom>
+                      <a:noFill/>
+                      <a:ln>
+                        <a:noFill/>
+                      </a:ln>
+                      <a:extLst>
+                        <a:ext uri="{909E8E84-426E-40DD-AFC4-6F175D3DCCD1}">
+                          <a14:hiddenFill xmlns:a14="http://schemas.microsoft.com/office/drawing/2010/main">
+                            <a:solidFill>
+                              <a:srgbClr val="FFFFFF"/>
+                            </a:solidFill>
+                          </a14:hiddenFill>
+                        </a:ext>
+                        <a:ext uri="{91240B29-F687-4F45-9708-019B960494DF}">
+                          <a14:hiddenLine xmlns:a14="http://schemas.microsoft.com/office/drawing/2010/main" w="9525">
+                            <a:solidFill>
+                              <a:srgbClr val="000000"/>
+                            </a:solidFill>
+                            <a:miter lim="800000"/>
+                            <a:headEnd/>
+                            <a:tailEnd/>
+                          </a14:hiddenLine>
+                        </a:ext>
+                      </a:extLst>
+                    </p:spPr>
+                  </p:pic>
+                </p:oleObj>
+              </mc:Fallback>
+            </mc:AlternateContent>
+          </a:graphicData>
+        </a:graphic>
+      </p:graphicFrame>
+      <p:graphicFrame>
+        <p:nvGraphicFramePr>
+          <p:cNvPr id="6" name="Object 5"/>
+          <p:cNvGraphicFramePr>
+            <a:graphicFrameLocks noChangeAspect="1"/>
+          </p:cNvGraphicFramePr>
+          <p:nvPr>
+            <p:extLst>
+              <p:ext uri="{D42A27DB-BD31-4B8C-83A1-F6EECF244321}">
+                <p14:modId xmlns:p14="http://schemas.microsoft.com/office/powerpoint/2010/main" val="2196021436"/>
+              </p:ext>
+            </p:extLst>
+          </p:nvPr>
+        </p:nvGraphicFramePr>
+        <p:xfrm>
+          <a:off x="5357813" y="4475163"/>
+          <a:ext cx="1327150" cy="1654175"/>
+        </p:xfrm>
+        <a:graphic>
+          <a:graphicData uri="http://schemas.openxmlformats.org/presentationml/2006/ole">
+            <mc:AlternateContent xmlns:mc="http://schemas.openxmlformats.org/markup-compatibility/2006">
+              <mc:Choice xmlns:v="urn:schemas-microsoft-com:vml" Requires="v">
+                <p:oleObj spid="_x0000_s3081" name="Equation" r:id="rId5" imgW="774360" imgH="965160" progId="Equation.3">
+                  <p:embed/>
+                </p:oleObj>
+              </mc:Choice>
+              <mc:Fallback>
+                <p:oleObj name="Equation" r:id="rId5" imgW="774360" imgH="965160" progId="Equation.3">
+                  <p:embed/>
+                  <p:pic>
+                    <p:nvPicPr>
+                      <p:cNvPr id="0" name=""/>
+                      <p:cNvPicPr>
+                        <a:picLocks noChangeAspect="1" noChangeArrowheads="1"/>
+                      </p:cNvPicPr>
+                      <p:nvPr/>
+                    </p:nvPicPr>
+                    <p:blipFill>
+                      <a:blip r:embed="rId6"/>
+                      <a:srcRect/>
+                      <a:stretch>
+                        <a:fillRect/>
+                      </a:stretch>
+                    </p:blipFill>
+                    <p:spPr bwMode="auto">
+                      <a:xfrm>
+                        <a:off x="5357813" y="4475163"/>
+                        <a:ext cx="1327150" cy="1654175"/>
+                      </a:xfrm>
+                      <a:prstGeom prst="rect">
+                        <a:avLst/>
+                      </a:prstGeom>
+                      <a:noFill/>
+                      <a:ln>
+                        <a:noFill/>
+                      </a:ln>
+                      <a:extLst>
+                        <a:ext uri="{909E8E84-426E-40DD-AFC4-6F175D3DCCD1}">
+                          <a14:hiddenFill xmlns:a14="http://schemas.microsoft.com/office/drawing/2010/main">
+                            <a:solidFill>
+                              <a:srgbClr val="FFFFFF"/>
+                            </a:solidFill>
+                          </a14:hiddenFill>
+                        </a:ext>
+                        <a:ext uri="{91240B29-F687-4F45-9708-019B960494DF}">
+                          <a14:hiddenLine xmlns:a14="http://schemas.microsoft.com/office/drawing/2010/main" w="9525">
+                            <a:solidFill>
+                              <a:srgbClr val="000000"/>
+                            </a:solidFill>
+                            <a:miter lim="800000"/>
+                            <a:headEnd/>
+                            <a:tailEnd/>
+                          </a14:hiddenLine>
+                        </a:ext>
+                      </a:extLst>
+                    </p:spPr>
+                  </p:pic>
+                </p:oleObj>
+              </mc:Fallback>
+            </mc:AlternateContent>
+          </a:graphicData>
+        </a:graphic>
+      </p:graphicFrame>
+      <p:graphicFrame>
+        <p:nvGraphicFramePr>
+          <p:cNvPr id="7" name="Object 6"/>
+          <p:cNvGraphicFramePr>
+            <a:graphicFrameLocks noChangeAspect="1"/>
+          </p:cNvGraphicFramePr>
+          <p:nvPr>
+            <p:extLst>
+              <p:ext uri="{D42A27DB-BD31-4B8C-83A1-F6EECF244321}">
+                <p14:modId xmlns:p14="http://schemas.microsoft.com/office/powerpoint/2010/main" val="2453869091"/>
+              </p:ext>
+            </p:extLst>
+          </p:nvPr>
+        </p:nvGraphicFramePr>
+        <p:xfrm>
+          <a:off x="2971800" y="3429000"/>
+          <a:ext cx="2492375" cy="736600"/>
+        </p:xfrm>
+        <a:graphic>
+          <a:graphicData uri="http://schemas.openxmlformats.org/presentationml/2006/ole">
+            <mc:AlternateContent xmlns:mc="http://schemas.openxmlformats.org/markup-compatibility/2006">
+              <mc:Choice xmlns:v="urn:schemas-microsoft-com:vml" Requires="v">
+                <p:oleObj spid="_x0000_s3082" name="Equation" r:id="rId7" imgW="1460160" imgH="431640" progId="Equation.3">
+                  <p:embed/>
+                </p:oleObj>
+              </mc:Choice>
+              <mc:Fallback>
+                <p:oleObj name="Equation" r:id="rId7" imgW="1460160" imgH="431640" progId="Equation.3">
+                  <p:embed/>
+                  <p:pic>
+                    <p:nvPicPr>
+                      <p:cNvPr id="0" name=""/>
+                      <p:cNvPicPr>
+                        <a:picLocks noChangeAspect="1" noChangeArrowheads="1"/>
+                      </p:cNvPicPr>
+                      <p:nvPr/>
+                    </p:nvPicPr>
+                    <p:blipFill>
+                      <a:blip r:embed="rId8"/>
+                      <a:srcRect/>
+                      <a:stretch>
+                        <a:fillRect/>
+                      </a:stretch>
+                    </p:blipFill>
+                    <p:spPr bwMode="auto">
+                      <a:xfrm>
+                        <a:off x="2971800" y="3429000"/>
+                        <a:ext cx="2492375" cy="736600"/>
+                      </a:xfrm>
+                      <a:prstGeom prst="rect">
+                        <a:avLst/>
+                      </a:prstGeom>
+                      <a:noFill/>
+                      <a:ln>
+                        <a:noFill/>
+                      </a:ln>
+                      <a:extLst>
+                        <a:ext uri="{909E8E84-426E-40DD-AFC4-6F175D3DCCD1}">
+                          <a14:hiddenFill xmlns:a14="http://schemas.microsoft.com/office/drawing/2010/main">
+                            <a:solidFill>
+                              <a:srgbClr val="FFFFFF"/>
+                            </a:solidFill>
+                          </a14:hiddenFill>
+                        </a:ext>
+                        <a:ext uri="{91240B29-F687-4F45-9708-019B960494DF}">
+                          <a14:hiddenLine xmlns:a14="http://schemas.microsoft.com/office/drawing/2010/main" w="9525">
+                            <a:solidFill>
+                              <a:srgbClr val="000000"/>
+                            </a:solidFill>
+                            <a:miter lim="800000"/>
+                            <a:headEnd/>
+                            <a:tailEnd/>
+                          </a14:hiddenLine>
+                        </a:ext>
+                      </a:extLst>
+                    </p:spPr>
+                  </p:pic>
+                </p:oleObj>
+              </mc:Fallback>
+            </mc:AlternateContent>
+          </a:graphicData>
+        </a:graphic>
+      </p:graphicFrame>
+      <p:sp>
+        <p:nvSpPr>
+          <p:cNvPr id="8" name="Rounded Rectangle 7"/>
+          <p:cNvSpPr/>
+          <p:nvPr/>
+        </p:nvSpPr>
+        <p:spPr>
+          <a:xfrm>
+            <a:off x="2362200" y="3200400"/>
+            <a:ext cx="3657600" cy="1143000"/>
+          </a:xfrm>
+          <a:prstGeom prst="roundRect">
+            <a:avLst/>
+          </a:prstGeom>
+          <a:noFill/>
+        </p:spPr>
+        <p:style>
+          <a:lnRef idx="2">
+            <a:schemeClr val="accent1">
+              <a:shade val="50000"/>
+            </a:schemeClr>
+          </a:lnRef>
+          <a:fillRef idx="1">
+            <a:schemeClr val="accent1"/>
+          </a:fillRef>
+          <a:effectRef idx="0">
+            <a:schemeClr val="accent1"/>
+          </a:effectRef>
+          <a:fontRef idx="minor">
+            <a:schemeClr val="lt1"/>
+          </a:fontRef>
+        </p:style>
+        <p:txBody>
+          <a:bodyPr rtlCol="0" anchor="ctr"/>
+          <a:lstStyle/>
+          <a:p>
+            <a:pPr algn="ctr"/>
+            <a:endParaRPr lang="nl-BE"/>
+          </a:p>
+        </p:txBody>
+      </p:sp>
+    </p:spTree>
+    <p:extLst>
+      <p:ext uri="{BB962C8B-B14F-4D97-AF65-F5344CB8AC3E}">
+        <p14:creationId xmlns:p14="http://schemas.microsoft.com/office/powerpoint/2010/main" val="1904204396"/>
+      </p:ext>
+    </p:extLst>
+  </p:cSld>
+  <p:clrMapOvr>
+    <a:masterClrMapping/>
+  </p:clrMapOvr>
 </p:sld>
 </file>
 
@@ -5859,4 +6551,289 @@
   <a:objectDefaults/>
   <a:extraClrSchemeLst/>
 </a:theme>
+</file>
+
+<file path=ppt/theme/theme2.xml><?xml version="1.0" encoding="utf-8"?>
+<a:theme xmlns:a="http://schemas.openxmlformats.org/drawingml/2006/main" name="Office Theme">
+  <a:themeElements>
+    <a:clrScheme name="Office">
+      <a:dk1>
+        <a:sysClr val="windowText" lastClr="000000"/>
+      </a:dk1>
+      <a:lt1>
+        <a:sysClr val="window" lastClr="FFFFFF"/>
+      </a:lt1>
+      <a:dk2>
+        <a:srgbClr val="1F497D"/>
+      </a:dk2>
+      <a:lt2>
+        <a:srgbClr val="EEECE1"/>
+      </a:lt2>
+      <a:accent1>
+        <a:srgbClr val="4F81BD"/>
+      </a:accent1>
+      <a:accent2>
+        <a:srgbClr val="C0504D"/>
+      </a:accent2>
+      <a:accent3>
+        <a:srgbClr val="9BBB59"/>
+      </a:accent3>
+      <a:accent4>
+        <a:srgbClr val="8064A2"/>
+      </a:accent4>
+      <a:accent5>
+        <a:srgbClr val="4BACC6"/>
+      </a:accent5>
+      <a:accent6>
+        <a:srgbClr val="F79646"/>
+      </a:accent6>
+      <a:hlink>
+        <a:srgbClr val="0000FF"/>
+      </a:hlink>
+      <a:folHlink>
+        <a:srgbClr val="800080"/>
+      </a:folHlink>
+    </a:clrScheme>
+    <a:fontScheme name="Office">
+      <a:majorFont>
+        <a:latin typeface="Calibri"/>
+        <a:ea typeface=""/>
+        <a:cs typeface=""/>
+        <a:font script="Jpan" typeface="ＭＳ Ｐゴシック"/>
+        <a:font script="Hang" typeface="맑은 고딕"/>
+        <a:font script="Hans" typeface="宋体"/>
+        <a:font script="Hant" typeface="新細明體"/>
+        <a:font script="Arab" typeface="Times New Roman"/>
+        <a:font script="Hebr" typeface="Times New Roman"/>
+        <a:font script="Thai" typeface="Angsana New"/>
+        <a:font script="Ethi" typeface="Nyala"/>
+        <a:font script="Beng" typeface="Vrinda"/>
+        <a:font script="Gujr" typeface="Shruti"/>
+        <a:font script="Khmr" typeface="MoolBoran"/>
+        <a:font script="Knda" typeface="Tunga"/>
+        <a:font script="Guru" typeface="Raavi"/>
+        <a:font script="Cans" typeface="Euphemia"/>
+        <a:font script="Cher" typeface="Plantagenet Cherokee"/>
+        <a:font script="Yiii" typeface="Microsoft Yi Baiti"/>
+        <a:font script="Tibt" typeface="Microsoft Himalaya"/>
+        <a:font script="Thaa" typeface="MV Boli"/>
+        <a:font script="Deva" typeface="Mangal"/>
+        <a:font script="Telu" typeface="Gautami"/>
+        <a:font script="Taml" typeface="Latha"/>
+        <a:font script="Syrc" typeface="Estrangelo Edessa"/>
+        <a:font script="Orya" typeface="Kalinga"/>
+        <a:font script="Mlym" typeface="Kartika"/>
+        <a:font script="Laoo" typeface="DokChampa"/>
+        <a:font script="Sinh" typeface="Iskoola Pota"/>
+        <a:font script="Mong" typeface="Mongolian Baiti"/>
+        <a:font script="Viet" typeface="Times New Roman"/>
+        <a:font script="Uigh" typeface="Microsoft Uighur"/>
+        <a:font script="Geor" typeface="Sylfaen"/>
+      </a:majorFont>
+      <a:minorFont>
+        <a:latin typeface="Calibri"/>
+        <a:ea typeface=""/>
+        <a:cs typeface=""/>
+        <a:font script="Jpan" typeface="ＭＳ Ｐゴシック"/>
+        <a:font script="Hang" typeface="맑은 고딕"/>
+        <a:font script="Hans" typeface="宋体"/>
+        <a:font script="Hant" typeface="新細明體"/>
+        <a:font script="Arab" typeface="Arial"/>
+        <a:font script="Hebr" typeface="Arial"/>
+        <a:font script="Thai" typeface="Cordia New"/>
+        <a:font script="Ethi" typeface="Nyala"/>
+        <a:font script="Beng" typeface="Vrinda"/>
+        <a:font script="Gujr" typeface="Shruti"/>
+        <a:font script="Khmr" typeface="DaunPenh"/>
+        <a:font script="Knda" typeface="Tunga"/>
+        <a:font script="Guru" typeface="Raavi"/>
+        <a:font script="Cans" typeface="Euphemia"/>
+        <a:font script="Cher" typeface="Plantagenet Cherokee"/>
+        <a:font script="Yiii" typeface="Microsoft Yi Baiti"/>
+        <a:font script="Tibt" typeface="Microsoft Himalaya"/>
+        <a:font script="Thaa" typeface="MV Boli"/>
+        <a:font script="Deva" typeface="Mangal"/>
+        <a:font script="Telu" typeface="Gautami"/>
+        <a:font script="Taml" typeface="Latha"/>
+        <a:font script="Syrc" typeface="Estrangelo Edessa"/>
+        <a:font script="Orya" typeface="Kalinga"/>
+        <a:font script="Mlym" typeface="Kartika"/>
+        <a:font script="Laoo" typeface="DokChampa"/>
+        <a:font script="Sinh" typeface="Iskoola Pota"/>
+        <a:font script="Mong" typeface="Mongolian Baiti"/>
+        <a:font script="Viet" typeface="Arial"/>
+        <a:font script="Uigh" typeface="Microsoft Uighur"/>
+        <a:font script="Geor" typeface="Sylfaen"/>
+      </a:minorFont>
+    </a:fontScheme>
+    <a:fmtScheme name="Office">
+      <a:fillStyleLst>
+        <a:solidFill>
+          <a:schemeClr val="phClr"/>
+        </a:solidFill>
+        <a:gradFill rotWithShape="1">
+          <a:gsLst>
+            <a:gs pos="0">
+              <a:schemeClr val="phClr">
+                <a:tint val="50000"/>
+                <a:satMod val="300000"/>
+              </a:schemeClr>
+            </a:gs>
+            <a:gs pos="35000">
+              <a:schemeClr val="phClr">
+                <a:tint val="37000"/>
+                <a:satMod val="300000"/>
+              </a:schemeClr>
+            </a:gs>
+            <a:gs pos="100000">
+              <a:schemeClr val="phClr">
+                <a:tint val="15000"/>
+                <a:satMod val="350000"/>
+              </a:schemeClr>
+            </a:gs>
+          </a:gsLst>
+          <a:lin ang="16200000" scaled="1"/>
+        </a:gradFill>
+        <a:gradFill rotWithShape="1">
+          <a:gsLst>
+            <a:gs pos="0">
+              <a:schemeClr val="phClr">
+                <a:shade val="51000"/>
+                <a:satMod val="130000"/>
+              </a:schemeClr>
+            </a:gs>
+            <a:gs pos="80000">
+              <a:schemeClr val="phClr">
+                <a:shade val="93000"/>
+                <a:satMod val="130000"/>
+              </a:schemeClr>
+            </a:gs>
+            <a:gs pos="100000">
+              <a:schemeClr val="phClr">
+                <a:shade val="94000"/>
+                <a:satMod val="135000"/>
+              </a:schemeClr>
+            </a:gs>
+          </a:gsLst>
+          <a:lin ang="16200000" scaled="0"/>
+        </a:gradFill>
+      </a:fillStyleLst>
+      <a:lnStyleLst>
+        <a:ln w="9525" cap="flat" cmpd="sng" algn="ctr">
+          <a:solidFill>
+            <a:schemeClr val="phClr">
+              <a:shade val="95000"/>
+              <a:satMod val="105000"/>
+            </a:schemeClr>
+          </a:solidFill>
+          <a:prstDash val="solid"/>
+        </a:ln>
+        <a:ln w="25400" cap="flat" cmpd="sng" algn="ctr">
+          <a:solidFill>
+            <a:schemeClr val="phClr"/>
+          </a:solidFill>
+          <a:prstDash val="solid"/>
+        </a:ln>
+        <a:ln w="38100" cap="flat" cmpd="sng" algn="ctr">
+          <a:solidFill>
+            <a:schemeClr val="phClr"/>
+          </a:solidFill>
+          <a:prstDash val="solid"/>
+        </a:ln>
+      </a:lnStyleLst>
+      <a:effectStyleLst>
+        <a:effectStyle>
+          <a:effectLst>
+            <a:outerShdw blurRad="40000" dist="20000" dir="5400000" rotWithShape="0">
+              <a:srgbClr val="000000">
+                <a:alpha val="38000"/>
+              </a:srgbClr>
+            </a:outerShdw>
+          </a:effectLst>
+        </a:effectStyle>
+        <a:effectStyle>
+          <a:effectLst>
+            <a:outerShdw blurRad="40000" dist="23000" dir="5400000" rotWithShape="0">
+              <a:srgbClr val="000000">
+                <a:alpha val="35000"/>
+              </a:srgbClr>
+            </a:outerShdw>
+          </a:effectLst>
+        </a:effectStyle>
+        <a:effectStyle>
+          <a:effectLst>
+            <a:outerShdw blurRad="40000" dist="23000" dir="5400000" rotWithShape="0">
+              <a:srgbClr val="000000">
+                <a:alpha val="35000"/>
+              </a:srgbClr>
+            </a:outerShdw>
+          </a:effectLst>
+          <a:scene3d>
+            <a:camera prst="orthographicFront">
+              <a:rot lat="0" lon="0" rev="0"/>
+            </a:camera>
+            <a:lightRig rig="threePt" dir="t">
+              <a:rot lat="0" lon="0" rev="1200000"/>
+            </a:lightRig>
+          </a:scene3d>
+          <a:sp3d>
+            <a:bevelT w="63500" h="25400"/>
+          </a:sp3d>
+        </a:effectStyle>
+      </a:effectStyleLst>
+      <a:bgFillStyleLst>
+        <a:solidFill>
+          <a:schemeClr val="phClr"/>
+        </a:solidFill>
+        <a:gradFill rotWithShape="1">
+          <a:gsLst>
+            <a:gs pos="0">
+              <a:schemeClr val="phClr">
+                <a:tint val="40000"/>
+                <a:satMod val="350000"/>
+              </a:schemeClr>
+            </a:gs>
+            <a:gs pos="40000">
+              <a:schemeClr val="phClr">
+                <a:tint val="45000"/>
+                <a:shade val="99000"/>
+                <a:satMod val="350000"/>
+              </a:schemeClr>
+            </a:gs>
+            <a:gs pos="100000">
+              <a:schemeClr val="phClr">
+                <a:shade val="20000"/>
+                <a:satMod val="255000"/>
+              </a:schemeClr>
+            </a:gs>
+          </a:gsLst>
+          <a:path path="circle">
+            <a:fillToRect l="50000" t="-80000" r="50000" b="180000"/>
+          </a:path>
+        </a:gradFill>
+        <a:gradFill rotWithShape="1">
+          <a:gsLst>
+            <a:gs pos="0">
+              <a:schemeClr val="phClr">
+                <a:tint val="80000"/>
+                <a:satMod val="300000"/>
+              </a:schemeClr>
+            </a:gs>
+            <a:gs pos="100000">
+              <a:schemeClr val="phClr">
+                <a:shade val="30000"/>
+                <a:satMod val="200000"/>
+              </a:schemeClr>
+            </a:gs>
+          </a:gsLst>
+          <a:path path="circle">
+            <a:fillToRect l="50000" t="50000" r="50000" b="50000"/>
+          </a:path>
+        </a:gradFill>
+      </a:bgFillStyleLst>
+    </a:fmtScheme>
+  </a:themeElements>
+  <a:objectDefaults/>
+  <a:extraClrSchemeLst/>
+</a:theme>
 </file>